--- a/RacketProject.pptx
+++ b/RacketProject.pptx
@@ -17646,7 +17646,6 @@
             </a:lvl1pPr>
           </a:lstStyle>
           <a:p>
-            <a:pPr algn="l"/>
             <a:r>
               <a:rPr lang="en-US" sz="4800" dirty="0">
                 <a:ln w="3175" cmpd="sng">
@@ -17660,7 +17659,7 @@
                   <a:schemeClr val="bg1"/>
                 </a:solidFill>
               </a:rPr>
-              <a:t>Game Flow</a:t>
+              <a:t>Concept</a:t>
             </a:r>
             <a:endParaRPr lang="en-US" sz="4800" dirty="0">
               <a:solidFill>

--- a/RacketProject.pptx
+++ b/RacketProject.pptx
@@ -19005,7 +19005,7 @@
         </p:spPr>
         <p:txBody>
           <a:bodyPr vert="horz" lIns="91440" tIns="45720" rIns="91440" bIns="45720" rtlCol="0" anchor="ctr">
-            <a:normAutofit fontScale="92500" lnSpcReduction="10000"/>
+            <a:normAutofit lnSpcReduction="10000"/>
           </a:bodyPr>
           <a:lstStyle>
             <a:lvl1pPr marL="285750" indent="-285750" algn="l" defTabSz="457200" rtl="0" eaLnBrk="1" latinLnBrk="0" hangingPunct="1">
@@ -19240,7 +19240,7 @@
               <a:buNone/>
             </a:pPr>
             <a:r>
-              <a:rPr lang="en-US" sz="2000"/>
+              <a:rPr lang="en-US" sz="2000" dirty="0"/>
               <a:t>Player</a:t>
             </a:r>
           </a:p>
@@ -19250,8 +19250,8 @@
               <a:buNone/>
             </a:pPr>
             <a:r>
-              <a:rPr lang="en-US" sz="2000"/>
-              <a:t>----------------------</a:t>
+              <a:rPr lang="en-US" sz="2000" dirty="0"/>
+              <a:t>---------------------</a:t>
             </a:r>
           </a:p>
           <a:p>
@@ -19260,7 +19260,7 @@
               <a:buChar char="o"/>
             </a:pPr>
             <a:r>
-              <a:rPr lang="en-US" sz="1400"/>
+              <a:rPr lang="en-US" sz="1400" dirty="0"/>
               <a:t>Income increase</a:t>
             </a:r>
           </a:p>
@@ -19270,7 +19270,7 @@
               <a:buChar char="o"/>
             </a:pPr>
             <a:r>
-              <a:rPr lang="en-US" sz="1400"/>
+              <a:rPr lang="en-US" sz="1400" dirty="0"/>
               <a:t>Income decrease/              buy unit</a:t>
             </a:r>
           </a:p>
@@ -19280,7 +19280,7 @@
               <a:buChar char="o"/>
             </a:pPr>
             <a:r>
-              <a:rPr lang="en-US" sz="1400"/>
+              <a:rPr lang="en-US" sz="1400" dirty="0"/>
               <a:t>Set territory count</a:t>
             </a:r>
           </a:p>
@@ -19290,7 +19290,7 @@
               <a:buChar char="o"/>
             </a:pPr>
             <a:r>
-              <a:rPr lang="en-US" sz="1400"/>
+              <a:rPr lang="en-US" sz="1400" dirty="0"/>
               <a:t>Set active player</a:t>
             </a:r>
           </a:p>
@@ -19300,7 +19300,7 @@
               <a:buChar char="o"/>
             </a:pPr>
             <a:r>
-              <a:rPr lang="en-US" sz="1400"/>
+              <a:rPr lang="en-US" sz="1400" dirty="0"/>
               <a:t>Set inactive player</a:t>
             </a:r>
           </a:p>
@@ -19310,34 +19310,33 @@
               <a:buNone/>
             </a:pPr>
             <a:r>
-              <a:rPr lang="en-US" sz="1400"/>
+              <a:rPr lang="en-US" sz="1400" dirty="0"/>
               <a:t>--------Variables----------</a:t>
             </a:r>
           </a:p>
           <a:p>
             <a:r>
-              <a:rPr lang="en-US" sz="1400"/>
+              <a:rPr lang="en-US" sz="1400" dirty="0"/>
               <a:t>Income count</a:t>
             </a:r>
           </a:p>
           <a:p>
             <a:r>
-              <a:rPr lang="en-US" sz="1400"/>
+              <a:rPr lang="en-US" sz="1400" dirty="0"/>
               <a:t>Territory count</a:t>
             </a:r>
           </a:p>
           <a:p>
             <a:r>
-              <a:rPr lang="en-US" sz="1400"/>
+              <a:rPr lang="en-US" sz="1400" dirty="0"/>
               <a:t>Boolean: Current player active </a:t>
             </a:r>
           </a:p>
           <a:p>
             <a:r>
-              <a:rPr lang="en-US" sz="1400"/>
+              <a:rPr lang="en-US" sz="1400" dirty="0"/>
               <a:t>Static: Player 1,2</a:t>
             </a:r>
-            <a:endParaRPr lang="en-US" sz="1400" dirty="0"/>
           </a:p>
         </p:txBody>
       </p:sp>
@@ -19596,7 +19595,7 @@
             </a:pPr>
             <a:r>
               <a:rPr lang="en-US" sz="2000" dirty="0"/>
-              <a:t>----------------------------</a:t>
+              <a:t>-------------------------</a:t>
             </a:r>
           </a:p>
           <a:p>
@@ -19635,7 +19634,7 @@
             </a:pPr>
             <a:r>
               <a:rPr lang="en-US" sz="1400" dirty="0"/>
-              <a:t>--------------Variables-------------</a:t>
+              <a:t>--------------Variables-----------</a:t>
             </a:r>
           </a:p>
           <a:p>
@@ -19925,7 +19924,7 @@
             </a:pPr>
             <a:r>
               <a:rPr lang="en-US" sz="2000" dirty="0"/>
-              <a:t>--------------------------</a:t>
+              <a:t>------------------------</a:t>
             </a:r>
           </a:p>
           <a:p>
@@ -19954,7 +19953,7 @@
             </a:pPr>
             <a:r>
               <a:rPr lang="en-US" sz="1400" dirty="0"/>
-              <a:t>------------Variables-------------</a:t>
+              <a:t>------------Variables-----------</a:t>
             </a:r>
           </a:p>
           <a:p>

--- a/RacketProject.pptx
+++ b/RacketProject.pptx
@@ -247,7 +247,7 @@
           <a:p>
             <a:fld id="{8B9C5AA4-4FCA-4F47-AAC9-1240DC78B99C}" type="datetimeFigureOut">
               <a:rPr lang="en-US" smtClean="0"/>
-              <a:t>4/7/2016</a:t>
+              <a:t>4/23/2016</a:t>
             </a:fld>
             <a:endParaRPr lang="en-US"/>
           </a:p>
@@ -415,7 +415,7 @@
           <a:p>
             <a:fld id="{8B9C5AA4-4FCA-4F47-AAC9-1240DC78B99C}" type="datetimeFigureOut">
               <a:rPr lang="en-US" smtClean="0"/>
-              <a:t>4/7/2016</a:t>
+              <a:t>4/23/2016</a:t>
             </a:fld>
             <a:endParaRPr lang="en-US"/>
           </a:p>
@@ -593,7 +593,7 @@
           <a:p>
             <a:fld id="{8B9C5AA4-4FCA-4F47-AAC9-1240DC78B99C}" type="datetimeFigureOut">
               <a:rPr lang="en-US" smtClean="0"/>
-              <a:t>4/7/2016</a:t>
+              <a:t>4/23/2016</a:t>
             </a:fld>
             <a:endParaRPr lang="en-US"/>
           </a:p>
@@ -1156,7 +1156,7 @@
           <a:p>
             <a:fld id="{8B9C5AA4-4FCA-4F47-AAC9-1240DC78B99C}" type="datetimeFigureOut">
               <a:rPr lang="en-US" smtClean="0"/>
-              <a:t>4/7/2016</a:t>
+              <a:t>4/23/2016</a:t>
             </a:fld>
             <a:endParaRPr lang="en-US"/>
           </a:p>
@@ -1331,7 +1331,7 @@
           <a:p>
             <a:fld id="{8B9C5AA4-4FCA-4F47-AAC9-1240DC78B99C}" type="datetimeFigureOut">
               <a:rPr lang="en-US" smtClean="0"/>
-              <a:t>4/7/2016</a:t>
+              <a:t>4/23/2016</a:t>
             </a:fld>
             <a:endParaRPr lang="en-US"/>
           </a:p>
@@ -1582,7 +1582,7 @@
           <a:p>
             <a:fld id="{8B9C5AA4-4FCA-4F47-AAC9-1240DC78B99C}" type="datetimeFigureOut">
               <a:rPr lang="en-US" smtClean="0"/>
-              <a:t>4/7/2016</a:t>
+              <a:t>4/23/2016</a:t>
             </a:fld>
             <a:endParaRPr lang="en-US"/>
           </a:p>
@@ -1879,7 +1879,7 @@
           <a:p>
             <a:fld id="{8B9C5AA4-4FCA-4F47-AAC9-1240DC78B99C}" type="datetimeFigureOut">
               <a:rPr lang="en-US" smtClean="0"/>
-              <a:t>4/7/2016</a:t>
+              <a:t>4/23/2016</a:t>
             </a:fld>
             <a:endParaRPr lang="en-US"/>
           </a:p>
@@ -2321,7 +2321,7 @@
           <a:p>
             <a:fld id="{8B9C5AA4-4FCA-4F47-AAC9-1240DC78B99C}" type="datetimeFigureOut">
               <a:rPr lang="en-US" smtClean="0"/>
-              <a:t>4/7/2016</a:t>
+              <a:t>4/23/2016</a:t>
             </a:fld>
             <a:endParaRPr lang="en-US"/>
           </a:p>
@@ -2439,7 +2439,7 @@
           <a:p>
             <a:fld id="{8B9C5AA4-4FCA-4F47-AAC9-1240DC78B99C}" type="datetimeFigureOut">
               <a:rPr lang="en-US" smtClean="0"/>
-              <a:t>4/7/2016</a:t>
+              <a:t>4/23/2016</a:t>
             </a:fld>
             <a:endParaRPr lang="en-US"/>
           </a:p>
@@ -2534,7 +2534,7 @@
           <a:p>
             <a:fld id="{8B9C5AA4-4FCA-4F47-AAC9-1240DC78B99C}" type="datetimeFigureOut">
               <a:rPr lang="en-US" smtClean="0"/>
-              <a:t>4/7/2016</a:t>
+              <a:t>4/23/2016</a:t>
             </a:fld>
             <a:endParaRPr lang="en-US"/>
           </a:p>
@@ -2817,7 +2817,7 @@
           <a:p>
             <a:fld id="{8B9C5AA4-4FCA-4F47-AAC9-1240DC78B99C}" type="datetimeFigureOut">
               <a:rPr lang="en-US" smtClean="0"/>
-              <a:t>4/7/2016</a:t>
+              <a:t>4/23/2016</a:t>
             </a:fld>
             <a:endParaRPr lang="en-US"/>
           </a:p>
@@ -2985,7 +2985,7 @@
           <a:p>
             <a:fld id="{8B9C5AA4-4FCA-4F47-AAC9-1240DC78B99C}" type="datetimeFigureOut">
               <a:rPr lang="en-US" smtClean="0"/>
-              <a:t>4/7/2016</a:t>
+              <a:t>4/23/2016</a:t>
             </a:fld>
             <a:endParaRPr lang="en-US"/>
           </a:p>
@@ -3276,7 +3276,7 @@
           <a:p>
             <a:fld id="{8B9C5AA4-4FCA-4F47-AAC9-1240DC78B99C}" type="datetimeFigureOut">
               <a:rPr lang="en-US" smtClean="0"/>
-              <a:t>4/7/2016</a:t>
+              <a:t>4/23/2016</a:t>
             </a:fld>
             <a:endParaRPr lang="en-US"/>
           </a:p>
@@ -3567,7 +3567,7 @@
           <a:p>
             <a:fld id="{8B9C5AA4-4FCA-4F47-AAC9-1240DC78B99C}" type="datetimeFigureOut">
               <a:rPr lang="en-US" smtClean="0"/>
-              <a:t>4/7/2016</a:t>
+              <a:t>4/23/2016</a:t>
             </a:fld>
             <a:endParaRPr lang="en-US"/>
           </a:p>
@@ -3815,7 +3815,7 @@
           <a:p>
             <a:fld id="{8B9C5AA4-4FCA-4F47-AAC9-1240DC78B99C}" type="datetimeFigureOut">
               <a:rPr lang="en-US" smtClean="0"/>
-              <a:t>4/7/2016</a:t>
+              <a:t>4/23/2016</a:t>
             </a:fld>
             <a:endParaRPr lang="en-US"/>
           </a:p>
@@ -4355,7 +4355,7 @@
           <a:p>
             <a:fld id="{8B9C5AA4-4FCA-4F47-AAC9-1240DC78B99C}" type="datetimeFigureOut">
               <a:rPr lang="en-US" smtClean="0"/>
-              <a:t>4/7/2016</a:t>
+              <a:t>4/23/2016</a:t>
             </a:fld>
             <a:endParaRPr lang="en-US"/>
           </a:p>
@@ -4603,7 +4603,7 @@
           <a:p>
             <a:fld id="{8B9C5AA4-4FCA-4F47-AAC9-1240DC78B99C}" type="datetimeFigureOut">
               <a:rPr lang="en-US" smtClean="0"/>
-              <a:t>4/7/2016</a:t>
+              <a:t>4/23/2016</a:t>
             </a:fld>
             <a:endParaRPr lang="en-US"/>
           </a:p>
@@ -5135,7 +5135,7 @@
           <a:p>
             <a:fld id="{8B9C5AA4-4FCA-4F47-AAC9-1240DC78B99C}" type="datetimeFigureOut">
               <a:rPr lang="en-US" smtClean="0"/>
-              <a:t>4/7/2016</a:t>
+              <a:t>4/23/2016</a:t>
             </a:fld>
             <a:endParaRPr lang="en-US"/>
           </a:p>
@@ -5432,7 +5432,7 @@
           <a:p>
             <a:fld id="{8B9C5AA4-4FCA-4F47-AAC9-1240DC78B99C}" type="datetimeFigureOut">
               <a:rPr lang="en-US" smtClean="0"/>
-              <a:t>4/7/2016</a:t>
+              <a:t>4/23/2016</a:t>
             </a:fld>
             <a:endParaRPr lang="en-US"/>
           </a:p>
@@ -5606,7 +5606,7 @@
           <a:p>
             <a:fld id="{8B9C5AA4-4FCA-4F47-AAC9-1240DC78B99C}" type="datetimeFigureOut">
               <a:rPr lang="en-US" smtClean="0"/>
-              <a:t>4/7/2016</a:t>
+              <a:t>4/23/2016</a:t>
             </a:fld>
             <a:endParaRPr lang="en-US"/>
           </a:p>
@@ -5786,7 +5786,7 @@
           <a:p>
             <a:fld id="{8B9C5AA4-4FCA-4F47-AAC9-1240DC78B99C}" type="datetimeFigureOut">
               <a:rPr lang="en-US" smtClean="0"/>
-              <a:t>4/7/2016</a:t>
+              <a:t>4/23/2016</a:t>
             </a:fld>
             <a:endParaRPr lang="en-US"/>
           </a:p>
@@ -6349,7 +6349,7 @@
           <a:p>
             <a:fld id="{8B9C5AA4-4FCA-4F47-AAC9-1240DC78B99C}" type="datetimeFigureOut">
               <a:rPr lang="en-US" smtClean="0"/>
-              <a:t>4/7/2016</a:t>
+              <a:t>4/23/2016</a:t>
             </a:fld>
             <a:endParaRPr lang="en-US"/>
           </a:p>
@@ -6599,7 +6599,7 @@
           <a:p>
             <a:fld id="{8B9C5AA4-4FCA-4F47-AAC9-1240DC78B99C}" type="datetimeFigureOut">
               <a:rPr lang="en-US" smtClean="0"/>
-              <a:t>4/7/2016</a:t>
+              <a:t>4/23/2016</a:t>
             </a:fld>
             <a:endParaRPr lang="en-US"/>
           </a:p>
@@ -6769,7 +6769,7 @@
           <a:p>
             <a:fld id="{8B9C5AA4-4FCA-4F47-AAC9-1240DC78B99C}" type="datetimeFigureOut">
               <a:rPr lang="en-US" smtClean="0"/>
-              <a:t>4/7/2016</a:t>
+              <a:t>4/23/2016</a:t>
             </a:fld>
             <a:endParaRPr lang="en-US"/>
           </a:p>
@@ -7020,7 +7020,7 @@
           <a:p>
             <a:fld id="{8B9C5AA4-4FCA-4F47-AAC9-1240DC78B99C}" type="datetimeFigureOut">
               <a:rPr lang="en-US" smtClean="0"/>
-              <a:t>4/7/2016</a:t>
+              <a:t>4/23/2016</a:t>
             </a:fld>
             <a:endParaRPr lang="en-US"/>
           </a:p>
@@ -7317,7 +7317,7 @@
           <a:p>
             <a:fld id="{8B9C5AA4-4FCA-4F47-AAC9-1240DC78B99C}" type="datetimeFigureOut">
               <a:rPr lang="en-US" smtClean="0"/>
-              <a:t>4/7/2016</a:t>
+              <a:t>4/23/2016</a:t>
             </a:fld>
             <a:endParaRPr lang="en-US"/>
           </a:p>
@@ -7759,7 +7759,7 @@
           <a:p>
             <a:fld id="{8B9C5AA4-4FCA-4F47-AAC9-1240DC78B99C}" type="datetimeFigureOut">
               <a:rPr lang="en-US" smtClean="0"/>
-              <a:t>4/7/2016</a:t>
+              <a:t>4/23/2016</a:t>
             </a:fld>
             <a:endParaRPr lang="en-US"/>
           </a:p>
@@ -7877,7 +7877,7 @@
           <a:p>
             <a:fld id="{8B9C5AA4-4FCA-4F47-AAC9-1240DC78B99C}" type="datetimeFigureOut">
               <a:rPr lang="en-US" smtClean="0"/>
-              <a:t>4/7/2016</a:t>
+              <a:t>4/23/2016</a:t>
             </a:fld>
             <a:endParaRPr lang="en-US"/>
           </a:p>
@@ -7972,7 +7972,7 @@
           <a:p>
             <a:fld id="{8B9C5AA4-4FCA-4F47-AAC9-1240DC78B99C}" type="datetimeFigureOut">
               <a:rPr lang="en-US" smtClean="0"/>
-              <a:t>4/7/2016</a:t>
+              <a:t>4/23/2016</a:t>
             </a:fld>
             <a:endParaRPr lang="en-US"/>
           </a:p>
@@ -8255,7 +8255,7 @@
           <a:p>
             <a:fld id="{8B9C5AA4-4FCA-4F47-AAC9-1240DC78B99C}" type="datetimeFigureOut">
               <a:rPr lang="en-US" smtClean="0"/>
-              <a:t>4/7/2016</a:t>
+              <a:t>4/23/2016</a:t>
             </a:fld>
             <a:endParaRPr lang="en-US"/>
           </a:p>
@@ -8546,7 +8546,7 @@
           <a:p>
             <a:fld id="{8B9C5AA4-4FCA-4F47-AAC9-1240DC78B99C}" type="datetimeFigureOut">
               <a:rPr lang="en-US" smtClean="0"/>
-              <a:t>4/7/2016</a:t>
+              <a:t>4/23/2016</a:t>
             </a:fld>
             <a:endParaRPr lang="en-US"/>
           </a:p>
@@ -8837,7 +8837,7 @@
           <a:p>
             <a:fld id="{8B9C5AA4-4FCA-4F47-AAC9-1240DC78B99C}" type="datetimeFigureOut">
               <a:rPr lang="en-US" smtClean="0"/>
-              <a:t>4/7/2016</a:t>
+              <a:t>4/23/2016</a:t>
             </a:fld>
             <a:endParaRPr lang="en-US"/>
           </a:p>
@@ -9085,7 +9085,7 @@
           <a:p>
             <a:fld id="{8B9C5AA4-4FCA-4F47-AAC9-1240DC78B99C}" type="datetimeFigureOut">
               <a:rPr lang="en-US" smtClean="0"/>
-              <a:t>4/7/2016</a:t>
+              <a:t>4/23/2016</a:t>
             </a:fld>
             <a:endParaRPr lang="en-US"/>
           </a:p>
@@ -9314,7 +9314,7 @@
           <a:p>
             <a:fld id="{8B9C5AA4-4FCA-4F47-AAC9-1240DC78B99C}" type="datetimeFigureOut">
               <a:rPr lang="en-US" smtClean="0"/>
-              <a:t>4/7/2016</a:t>
+              <a:t>4/23/2016</a:t>
             </a:fld>
             <a:endParaRPr lang="en-US"/>
           </a:p>
@@ -9854,7 +9854,7 @@
           <a:p>
             <a:fld id="{8B9C5AA4-4FCA-4F47-AAC9-1240DC78B99C}" type="datetimeFigureOut">
               <a:rPr lang="en-US" smtClean="0"/>
-              <a:t>4/7/2016</a:t>
+              <a:t>4/23/2016</a:t>
             </a:fld>
             <a:endParaRPr lang="en-US"/>
           </a:p>
@@ -10102,7 +10102,7 @@
           <a:p>
             <a:fld id="{8B9C5AA4-4FCA-4F47-AAC9-1240DC78B99C}" type="datetimeFigureOut">
               <a:rPr lang="en-US" smtClean="0"/>
-              <a:t>4/7/2016</a:t>
+              <a:t>4/23/2016</a:t>
             </a:fld>
             <a:endParaRPr lang="en-US"/>
           </a:p>
@@ -10634,7 +10634,7 @@
           <a:p>
             <a:fld id="{8B9C5AA4-4FCA-4F47-AAC9-1240DC78B99C}" type="datetimeFigureOut">
               <a:rPr lang="en-US" smtClean="0"/>
-              <a:t>4/7/2016</a:t>
+              <a:t>4/23/2016</a:t>
             </a:fld>
             <a:endParaRPr lang="en-US"/>
           </a:p>
@@ -10931,7 +10931,7 @@
           <a:p>
             <a:fld id="{8B9C5AA4-4FCA-4F47-AAC9-1240DC78B99C}" type="datetimeFigureOut">
               <a:rPr lang="en-US" smtClean="0"/>
-              <a:t>4/7/2016</a:t>
+              <a:t>4/23/2016</a:t>
             </a:fld>
             <a:endParaRPr lang="en-US"/>
           </a:p>
@@ -11105,7 +11105,7 @@
           <a:p>
             <a:fld id="{8B9C5AA4-4FCA-4F47-AAC9-1240DC78B99C}" type="datetimeFigureOut">
               <a:rPr lang="en-US" smtClean="0"/>
-              <a:t>4/7/2016</a:t>
+              <a:t>4/23/2016</a:t>
             </a:fld>
             <a:endParaRPr lang="en-US"/>
           </a:p>
@@ -11285,7 +11285,7 @@
           <a:p>
             <a:fld id="{8B9C5AA4-4FCA-4F47-AAC9-1240DC78B99C}" type="datetimeFigureOut">
               <a:rPr lang="en-US" smtClean="0"/>
-              <a:t>4/7/2016</a:t>
+              <a:t>4/23/2016</a:t>
             </a:fld>
             <a:endParaRPr lang="en-US"/>
           </a:p>
@@ -11649,7 +11649,7 @@
           <a:p>
             <a:fld id="{8B9C5AA4-4FCA-4F47-AAC9-1240DC78B99C}" type="datetimeFigureOut">
               <a:rPr lang="en-US" smtClean="0"/>
-              <a:t>4/7/2016</a:t>
+              <a:t>4/23/2016</a:t>
             </a:fld>
             <a:endParaRPr lang="en-US"/>
           </a:p>
@@ -11766,7 +11766,7 @@
           <a:p>
             <a:fld id="{8B9C5AA4-4FCA-4F47-AAC9-1240DC78B99C}" type="datetimeFigureOut">
               <a:rPr lang="en-US" smtClean="0"/>
-              <a:t>4/7/2016</a:t>
+              <a:t>4/23/2016</a:t>
             </a:fld>
             <a:endParaRPr lang="en-US"/>
           </a:p>
@@ -11861,7 +11861,7 @@
           <a:p>
             <a:fld id="{8B9C5AA4-4FCA-4F47-AAC9-1240DC78B99C}" type="datetimeFigureOut">
               <a:rPr lang="en-US" smtClean="0"/>
-              <a:t>4/7/2016</a:t>
+              <a:t>4/23/2016</a:t>
             </a:fld>
             <a:endParaRPr lang="en-US"/>
           </a:p>
@@ -12136,7 +12136,7 @@
           <a:p>
             <a:fld id="{8B9C5AA4-4FCA-4F47-AAC9-1240DC78B99C}" type="datetimeFigureOut">
               <a:rPr lang="en-US" smtClean="0"/>
-              <a:t>4/7/2016</a:t>
+              <a:t>4/23/2016</a:t>
             </a:fld>
             <a:endParaRPr lang="en-US"/>
           </a:p>
@@ -12388,7 +12388,7 @@
           <a:p>
             <a:fld id="{8B9C5AA4-4FCA-4F47-AAC9-1240DC78B99C}" type="datetimeFigureOut">
               <a:rPr lang="en-US" smtClean="0"/>
-              <a:t>4/7/2016</a:t>
+              <a:t>4/23/2016</a:t>
             </a:fld>
             <a:endParaRPr lang="en-US"/>
           </a:p>
@@ -12599,7 +12599,7 @@
           <a:p>
             <a:fld id="{8B9C5AA4-4FCA-4F47-AAC9-1240DC78B99C}" type="datetimeFigureOut">
               <a:rPr lang="en-US" smtClean="0"/>
-              <a:t>4/7/2016</a:t>
+              <a:t>4/23/2016</a:t>
             </a:fld>
             <a:endParaRPr lang="en-US"/>
           </a:p>
@@ -13456,7 +13456,7 @@
           <a:p>
             <a:fld id="{8B9C5AA4-4FCA-4F47-AAC9-1240DC78B99C}" type="datetimeFigureOut">
               <a:rPr lang="en-US" smtClean="0"/>
-              <a:t>4/7/2016</a:t>
+              <a:t>4/23/2016</a:t>
             </a:fld>
             <a:endParaRPr lang="en-US"/>
           </a:p>
@@ -14439,7 +14439,7 @@
           <a:p>
             <a:fld id="{8B9C5AA4-4FCA-4F47-AAC9-1240DC78B99C}" type="datetimeFigureOut">
               <a:rPr lang="en-US" smtClean="0"/>
-              <a:t>4/7/2016</a:t>
+              <a:t>4/23/2016</a:t>
             </a:fld>
             <a:endParaRPr lang="en-US"/>
           </a:p>
@@ -15113,7 +15113,7 @@
         </p:blipFill>
         <p:spPr>
           <a:xfrm>
-            <a:off x="8482231" y="2930769"/>
+            <a:off x="8760024" y="2930769"/>
             <a:ext cx="1419862" cy="1781703"/>
           </a:xfrm>
           <a:prstGeom prst="rect">
@@ -15251,7 +15251,7 @@
                   <a:schemeClr val="bg1"/>
                 </a:solidFill>
               </a:rPr>
-              <a:t>Martin Rudzki                                                        Yusuf </a:t>
+              <a:t>Martin Rudzki                                                           Yusuf </a:t>
             </a:r>
             <a:r>
               <a:rPr lang="en-US" sz="3200" b="1" dirty="0" err="1">
@@ -15510,12 +15510,12 @@
               <a:t>MartinRudzki</a:t>
             </a:r>
             <a:r>
-              <a:rPr lang="en-US" sz="3200" b="1" dirty="0">
+              <a:rPr lang="en-US" sz="3200" b="1">
                 <a:solidFill>
                   <a:schemeClr val="bg1"/>
                 </a:solidFill>
               </a:rPr>
-              <a:t>                                                             </a:t>
+              <a:t>                                                                </a:t>
             </a:r>
             <a:r>
               <a:rPr lang="en-US" sz="3200" b="1" dirty="0" err="1">

--- a/RacketProject.pptx
+++ b/RacketProject.pptx
@@ -12,6 +12,9 @@
     <p:sldId id="259" r:id="rId6"/>
     <p:sldId id="258" r:id="rId7"/>
     <p:sldId id="261" r:id="rId8"/>
+    <p:sldId id="262" r:id="rId9"/>
+    <p:sldId id="263" r:id="rId10"/>
+    <p:sldId id="264" r:id="rId11"/>
   </p:sldIdLst>
   <p:sldSz cx="12192000" cy="6858000"/>
   <p:notesSz cx="6858000" cy="9144000"/>
@@ -112,7 +115,18 @@
   </p:defaultTextStyle>
   <p:extLst>
     <p:ext uri="{EFAFB233-063F-42B5-8137-9DF3F51BA10A}">
-      <p15:sldGuideLst xmlns:p15="http://schemas.microsoft.com/office/powerpoint/2012/main"/>
+      <p15:sldGuideLst xmlns:p15="http://schemas.microsoft.com/office/powerpoint/2012/main">
+        <p15:guide id="1" orient="horz" pos="2160" userDrawn="1">
+          <p15:clr>
+            <a:srgbClr val="A4A3A4"/>
+          </p15:clr>
+        </p15:guide>
+        <p15:guide id="2" pos="3840" userDrawn="1">
+          <p15:clr>
+            <a:srgbClr val="A4A3A4"/>
+          </p15:clr>
+        </p15:guide>
+      </p15:sldGuideLst>
     </p:ext>
   </p:extLst>
 </p:presentation>
@@ -247,7 +261,7 @@
           <a:p>
             <a:fld id="{8B9C5AA4-4FCA-4F47-AAC9-1240DC78B99C}" type="datetimeFigureOut">
               <a:rPr lang="en-US" smtClean="0"/>
-              <a:t>4/23/2016</a:t>
+              <a:t>4/25/2016</a:t>
             </a:fld>
             <a:endParaRPr lang="en-US"/>
           </a:p>
@@ -415,7 +429,7 @@
           <a:p>
             <a:fld id="{8B9C5AA4-4FCA-4F47-AAC9-1240DC78B99C}" type="datetimeFigureOut">
               <a:rPr lang="en-US" smtClean="0"/>
-              <a:t>4/23/2016</a:t>
+              <a:t>4/25/2016</a:t>
             </a:fld>
             <a:endParaRPr lang="en-US"/>
           </a:p>
@@ -593,7 +607,7 @@
           <a:p>
             <a:fld id="{8B9C5AA4-4FCA-4F47-AAC9-1240DC78B99C}" type="datetimeFigureOut">
               <a:rPr lang="en-US" smtClean="0"/>
-              <a:t>4/23/2016</a:t>
+              <a:t>4/25/2016</a:t>
             </a:fld>
             <a:endParaRPr lang="en-US"/>
           </a:p>
@@ -1156,7 +1170,7 @@
           <a:p>
             <a:fld id="{8B9C5AA4-4FCA-4F47-AAC9-1240DC78B99C}" type="datetimeFigureOut">
               <a:rPr lang="en-US" smtClean="0"/>
-              <a:t>4/23/2016</a:t>
+              <a:t>4/25/2016</a:t>
             </a:fld>
             <a:endParaRPr lang="en-US"/>
           </a:p>
@@ -1331,7 +1345,7 @@
           <a:p>
             <a:fld id="{8B9C5AA4-4FCA-4F47-AAC9-1240DC78B99C}" type="datetimeFigureOut">
               <a:rPr lang="en-US" smtClean="0"/>
-              <a:t>4/23/2016</a:t>
+              <a:t>4/25/2016</a:t>
             </a:fld>
             <a:endParaRPr lang="en-US"/>
           </a:p>
@@ -1582,7 +1596,7 @@
           <a:p>
             <a:fld id="{8B9C5AA4-4FCA-4F47-AAC9-1240DC78B99C}" type="datetimeFigureOut">
               <a:rPr lang="en-US" smtClean="0"/>
-              <a:t>4/23/2016</a:t>
+              <a:t>4/25/2016</a:t>
             </a:fld>
             <a:endParaRPr lang="en-US"/>
           </a:p>
@@ -1879,7 +1893,7 @@
           <a:p>
             <a:fld id="{8B9C5AA4-4FCA-4F47-AAC9-1240DC78B99C}" type="datetimeFigureOut">
               <a:rPr lang="en-US" smtClean="0"/>
-              <a:t>4/23/2016</a:t>
+              <a:t>4/25/2016</a:t>
             </a:fld>
             <a:endParaRPr lang="en-US"/>
           </a:p>
@@ -2321,7 +2335,7 @@
           <a:p>
             <a:fld id="{8B9C5AA4-4FCA-4F47-AAC9-1240DC78B99C}" type="datetimeFigureOut">
               <a:rPr lang="en-US" smtClean="0"/>
-              <a:t>4/23/2016</a:t>
+              <a:t>4/25/2016</a:t>
             </a:fld>
             <a:endParaRPr lang="en-US"/>
           </a:p>
@@ -2439,7 +2453,7 @@
           <a:p>
             <a:fld id="{8B9C5AA4-4FCA-4F47-AAC9-1240DC78B99C}" type="datetimeFigureOut">
               <a:rPr lang="en-US" smtClean="0"/>
-              <a:t>4/23/2016</a:t>
+              <a:t>4/25/2016</a:t>
             </a:fld>
             <a:endParaRPr lang="en-US"/>
           </a:p>
@@ -2534,7 +2548,7 @@
           <a:p>
             <a:fld id="{8B9C5AA4-4FCA-4F47-AAC9-1240DC78B99C}" type="datetimeFigureOut">
               <a:rPr lang="en-US" smtClean="0"/>
-              <a:t>4/23/2016</a:t>
+              <a:t>4/25/2016</a:t>
             </a:fld>
             <a:endParaRPr lang="en-US"/>
           </a:p>
@@ -2817,7 +2831,7 @@
           <a:p>
             <a:fld id="{8B9C5AA4-4FCA-4F47-AAC9-1240DC78B99C}" type="datetimeFigureOut">
               <a:rPr lang="en-US" smtClean="0"/>
-              <a:t>4/23/2016</a:t>
+              <a:t>4/25/2016</a:t>
             </a:fld>
             <a:endParaRPr lang="en-US"/>
           </a:p>
@@ -2985,7 +2999,7 @@
           <a:p>
             <a:fld id="{8B9C5AA4-4FCA-4F47-AAC9-1240DC78B99C}" type="datetimeFigureOut">
               <a:rPr lang="en-US" smtClean="0"/>
-              <a:t>4/23/2016</a:t>
+              <a:t>4/25/2016</a:t>
             </a:fld>
             <a:endParaRPr lang="en-US"/>
           </a:p>
@@ -3276,7 +3290,7 @@
           <a:p>
             <a:fld id="{8B9C5AA4-4FCA-4F47-AAC9-1240DC78B99C}" type="datetimeFigureOut">
               <a:rPr lang="en-US" smtClean="0"/>
-              <a:t>4/23/2016</a:t>
+              <a:t>4/25/2016</a:t>
             </a:fld>
             <a:endParaRPr lang="en-US"/>
           </a:p>
@@ -3567,7 +3581,7 @@
           <a:p>
             <a:fld id="{8B9C5AA4-4FCA-4F47-AAC9-1240DC78B99C}" type="datetimeFigureOut">
               <a:rPr lang="en-US" smtClean="0"/>
-              <a:t>4/23/2016</a:t>
+              <a:t>4/25/2016</a:t>
             </a:fld>
             <a:endParaRPr lang="en-US"/>
           </a:p>
@@ -3815,7 +3829,7 @@
           <a:p>
             <a:fld id="{8B9C5AA4-4FCA-4F47-AAC9-1240DC78B99C}" type="datetimeFigureOut">
               <a:rPr lang="en-US" smtClean="0"/>
-              <a:t>4/23/2016</a:t>
+              <a:t>4/25/2016</a:t>
             </a:fld>
             <a:endParaRPr lang="en-US"/>
           </a:p>
@@ -4355,7 +4369,7 @@
           <a:p>
             <a:fld id="{8B9C5AA4-4FCA-4F47-AAC9-1240DC78B99C}" type="datetimeFigureOut">
               <a:rPr lang="en-US" smtClean="0"/>
-              <a:t>4/23/2016</a:t>
+              <a:t>4/25/2016</a:t>
             </a:fld>
             <a:endParaRPr lang="en-US"/>
           </a:p>
@@ -4603,7 +4617,7 @@
           <a:p>
             <a:fld id="{8B9C5AA4-4FCA-4F47-AAC9-1240DC78B99C}" type="datetimeFigureOut">
               <a:rPr lang="en-US" smtClean="0"/>
-              <a:t>4/23/2016</a:t>
+              <a:t>4/25/2016</a:t>
             </a:fld>
             <a:endParaRPr lang="en-US"/>
           </a:p>
@@ -5135,7 +5149,7 @@
           <a:p>
             <a:fld id="{8B9C5AA4-4FCA-4F47-AAC9-1240DC78B99C}" type="datetimeFigureOut">
               <a:rPr lang="en-US" smtClean="0"/>
-              <a:t>4/23/2016</a:t>
+              <a:t>4/25/2016</a:t>
             </a:fld>
             <a:endParaRPr lang="en-US"/>
           </a:p>
@@ -5432,7 +5446,7 @@
           <a:p>
             <a:fld id="{8B9C5AA4-4FCA-4F47-AAC9-1240DC78B99C}" type="datetimeFigureOut">
               <a:rPr lang="en-US" smtClean="0"/>
-              <a:t>4/23/2016</a:t>
+              <a:t>4/25/2016</a:t>
             </a:fld>
             <a:endParaRPr lang="en-US"/>
           </a:p>
@@ -5606,7 +5620,7 @@
           <a:p>
             <a:fld id="{8B9C5AA4-4FCA-4F47-AAC9-1240DC78B99C}" type="datetimeFigureOut">
               <a:rPr lang="en-US" smtClean="0"/>
-              <a:t>4/23/2016</a:t>
+              <a:t>4/25/2016</a:t>
             </a:fld>
             <a:endParaRPr lang="en-US"/>
           </a:p>
@@ -5786,7 +5800,7 @@
           <a:p>
             <a:fld id="{8B9C5AA4-4FCA-4F47-AAC9-1240DC78B99C}" type="datetimeFigureOut">
               <a:rPr lang="en-US" smtClean="0"/>
-              <a:t>4/23/2016</a:t>
+              <a:t>4/25/2016</a:t>
             </a:fld>
             <a:endParaRPr lang="en-US"/>
           </a:p>
@@ -6349,7 +6363,7 @@
           <a:p>
             <a:fld id="{8B9C5AA4-4FCA-4F47-AAC9-1240DC78B99C}" type="datetimeFigureOut">
               <a:rPr lang="en-US" smtClean="0"/>
-              <a:t>4/23/2016</a:t>
+              <a:t>4/25/2016</a:t>
             </a:fld>
             <a:endParaRPr lang="en-US"/>
           </a:p>
@@ -6599,7 +6613,7 @@
           <a:p>
             <a:fld id="{8B9C5AA4-4FCA-4F47-AAC9-1240DC78B99C}" type="datetimeFigureOut">
               <a:rPr lang="en-US" smtClean="0"/>
-              <a:t>4/23/2016</a:t>
+              <a:t>4/25/2016</a:t>
             </a:fld>
             <a:endParaRPr lang="en-US"/>
           </a:p>
@@ -6769,7 +6783,7 @@
           <a:p>
             <a:fld id="{8B9C5AA4-4FCA-4F47-AAC9-1240DC78B99C}" type="datetimeFigureOut">
               <a:rPr lang="en-US" smtClean="0"/>
-              <a:t>4/23/2016</a:t>
+              <a:t>4/25/2016</a:t>
             </a:fld>
             <a:endParaRPr lang="en-US"/>
           </a:p>
@@ -7020,7 +7034,7 @@
           <a:p>
             <a:fld id="{8B9C5AA4-4FCA-4F47-AAC9-1240DC78B99C}" type="datetimeFigureOut">
               <a:rPr lang="en-US" smtClean="0"/>
-              <a:t>4/23/2016</a:t>
+              <a:t>4/25/2016</a:t>
             </a:fld>
             <a:endParaRPr lang="en-US"/>
           </a:p>
@@ -7317,7 +7331,7 @@
           <a:p>
             <a:fld id="{8B9C5AA4-4FCA-4F47-AAC9-1240DC78B99C}" type="datetimeFigureOut">
               <a:rPr lang="en-US" smtClean="0"/>
-              <a:t>4/23/2016</a:t>
+              <a:t>4/25/2016</a:t>
             </a:fld>
             <a:endParaRPr lang="en-US"/>
           </a:p>
@@ -7759,7 +7773,7 @@
           <a:p>
             <a:fld id="{8B9C5AA4-4FCA-4F47-AAC9-1240DC78B99C}" type="datetimeFigureOut">
               <a:rPr lang="en-US" smtClean="0"/>
-              <a:t>4/23/2016</a:t>
+              <a:t>4/25/2016</a:t>
             </a:fld>
             <a:endParaRPr lang="en-US"/>
           </a:p>
@@ -7877,7 +7891,7 @@
           <a:p>
             <a:fld id="{8B9C5AA4-4FCA-4F47-AAC9-1240DC78B99C}" type="datetimeFigureOut">
               <a:rPr lang="en-US" smtClean="0"/>
-              <a:t>4/23/2016</a:t>
+              <a:t>4/25/2016</a:t>
             </a:fld>
             <a:endParaRPr lang="en-US"/>
           </a:p>
@@ -7972,7 +7986,7 @@
           <a:p>
             <a:fld id="{8B9C5AA4-4FCA-4F47-AAC9-1240DC78B99C}" type="datetimeFigureOut">
               <a:rPr lang="en-US" smtClean="0"/>
-              <a:t>4/23/2016</a:t>
+              <a:t>4/25/2016</a:t>
             </a:fld>
             <a:endParaRPr lang="en-US"/>
           </a:p>
@@ -8255,7 +8269,7 @@
           <a:p>
             <a:fld id="{8B9C5AA4-4FCA-4F47-AAC9-1240DC78B99C}" type="datetimeFigureOut">
               <a:rPr lang="en-US" smtClean="0"/>
-              <a:t>4/23/2016</a:t>
+              <a:t>4/25/2016</a:t>
             </a:fld>
             <a:endParaRPr lang="en-US"/>
           </a:p>
@@ -8546,7 +8560,7 @@
           <a:p>
             <a:fld id="{8B9C5AA4-4FCA-4F47-AAC9-1240DC78B99C}" type="datetimeFigureOut">
               <a:rPr lang="en-US" smtClean="0"/>
-              <a:t>4/23/2016</a:t>
+              <a:t>4/25/2016</a:t>
             </a:fld>
             <a:endParaRPr lang="en-US"/>
           </a:p>
@@ -8837,7 +8851,7 @@
           <a:p>
             <a:fld id="{8B9C5AA4-4FCA-4F47-AAC9-1240DC78B99C}" type="datetimeFigureOut">
               <a:rPr lang="en-US" smtClean="0"/>
-              <a:t>4/23/2016</a:t>
+              <a:t>4/25/2016</a:t>
             </a:fld>
             <a:endParaRPr lang="en-US"/>
           </a:p>
@@ -9085,7 +9099,7 @@
           <a:p>
             <a:fld id="{8B9C5AA4-4FCA-4F47-AAC9-1240DC78B99C}" type="datetimeFigureOut">
               <a:rPr lang="en-US" smtClean="0"/>
-              <a:t>4/23/2016</a:t>
+              <a:t>4/25/2016</a:t>
             </a:fld>
             <a:endParaRPr lang="en-US"/>
           </a:p>
@@ -9314,7 +9328,7 @@
           <a:p>
             <a:fld id="{8B9C5AA4-4FCA-4F47-AAC9-1240DC78B99C}" type="datetimeFigureOut">
               <a:rPr lang="en-US" smtClean="0"/>
-              <a:t>4/23/2016</a:t>
+              <a:t>4/25/2016</a:t>
             </a:fld>
             <a:endParaRPr lang="en-US"/>
           </a:p>
@@ -9854,7 +9868,7 @@
           <a:p>
             <a:fld id="{8B9C5AA4-4FCA-4F47-AAC9-1240DC78B99C}" type="datetimeFigureOut">
               <a:rPr lang="en-US" smtClean="0"/>
-              <a:t>4/23/2016</a:t>
+              <a:t>4/25/2016</a:t>
             </a:fld>
             <a:endParaRPr lang="en-US"/>
           </a:p>
@@ -10102,7 +10116,7 @@
           <a:p>
             <a:fld id="{8B9C5AA4-4FCA-4F47-AAC9-1240DC78B99C}" type="datetimeFigureOut">
               <a:rPr lang="en-US" smtClean="0"/>
-              <a:t>4/23/2016</a:t>
+              <a:t>4/25/2016</a:t>
             </a:fld>
             <a:endParaRPr lang="en-US"/>
           </a:p>
@@ -10634,7 +10648,7 @@
           <a:p>
             <a:fld id="{8B9C5AA4-4FCA-4F47-AAC9-1240DC78B99C}" type="datetimeFigureOut">
               <a:rPr lang="en-US" smtClean="0"/>
-              <a:t>4/23/2016</a:t>
+              <a:t>4/25/2016</a:t>
             </a:fld>
             <a:endParaRPr lang="en-US"/>
           </a:p>
@@ -10931,7 +10945,7 @@
           <a:p>
             <a:fld id="{8B9C5AA4-4FCA-4F47-AAC9-1240DC78B99C}" type="datetimeFigureOut">
               <a:rPr lang="en-US" smtClean="0"/>
-              <a:t>4/23/2016</a:t>
+              <a:t>4/25/2016</a:t>
             </a:fld>
             <a:endParaRPr lang="en-US"/>
           </a:p>
@@ -11105,7 +11119,7 @@
           <a:p>
             <a:fld id="{8B9C5AA4-4FCA-4F47-AAC9-1240DC78B99C}" type="datetimeFigureOut">
               <a:rPr lang="en-US" smtClean="0"/>
-              <a:t>4/23/2016</a:t>
+              <a:t>4/25/2016</a:t>
             </a:fld>
             <a:endParaRPr lang="en-US"/>
           </a:p>
@@ -11285,7 +11299,7 @@
           <a:p>
             <a:fld id="{8B9C5AA4-4FCA-4F47-AAC9-1240DC78B99C}" type="datetimeFigureOut">
               <a:rPr lang="en-US" smtClean="0"/>
-              <a:t>4/23/2016</a:t>
+              <a:t>4/25/2016</a:t>
             </a:fld>
             <a:endParaRPr lang="en-US"/>
           </a:p>
@@ -11649,7 +11663,7 @@
           <a:p>
             <a:fld id="{8B9C5AA4-4FCA-4F47-AAC9-1240DC78B99C}" type="datetimeFigureOut">
               <a:rPr lang="en-US" smtClean="0"/>
-              <a:t>4/23/2016</a:t>
+              <a:t>4/25/2016</a:t>
             </a:fld>
             <a:endParaRPr lang="en-US"/>
           </a:p>
@@ -11766,7 +11780,7 @@
           <a:p>
             <a:fld id="{8B9C5AA4-4FCA-4F47-AAC9-1240DC78B99C}" type="datetimeFigureOut">
               <a:rPr lang="en-US" smtClean="0"/>
-              <a:t>4/23/2016</a:t>
+              <a:t>4/25/2016</a:t>
             </a:fld>
             <a:endParaRPr lang="en-US"/>
           </a:p>
@@ -11861,7 +11875,7 @@
           <a:p>
             <a:fld id="{8B9C5AA4-4FCA-4F47-AAC9-1240DC78B99C}" type="datetimeFigureOut">
               <a:rPr lang="en-US" smtClean="0"/>
-              <a:t>4/23/2016</a:t>
+              <a:t>4/25/2016</a:t>
             </a:fld>
             <a:endParaRPr lang="en-US"/>
           </a:p>
@@ -12136,7 +12150,7 @@
           <a:p>
             <a:fld id="{8B9C5AA4-4FCA-4F47-AAC9-1240DC78B99C}" type="datetimeFigureOut">
               <a:rPr lang="en-US" smtClean="0"/>
-              <a:t>4/23/2016</a:t>
+              <a:t>4/25/2016</a:t>
             </a:fld>
             <a:endParaRPr lang="en-US"/>
           </a:p>
@@ -12388,7 +12402,7 @@
           <a:p>
             <a:fld id="{8B9C5AA4-4FCA-4F47-AAC9-1240DC78B99C}" type="datetimeFigureOut">
               <a:rPr lang="en-US" smtClean="0"/>
-              <a:t>4/23/2016</a:t>
+              <a:t>4/25/2016</a:t>
             </a:fld>
             <a:endParaRPr lang="en-US"/>
           </a:p>
@@ -12599,7 +12613,7 @@
           <a:p>
             <a:fld id="{8B9C5AA4-4FCA-4F47-AAC9-1240DC78B99C}" type="datetimeFigureOut">
               <a:rPr lang="en-US" smtClean="0"/>
-              <a:t>4/23/2016</a:t>
+              <a:t>4/25/2016</a:t>
             </a:fld>
             <a:endParaRPr lang="en-US"/>
           </a:p>
@@ -13456,7 +13470,7 @@
           <a:p>
             <a:fld id="{8B9C5AA4-4FCA-4F47-AAC9-1240DC78B99C}" type="datetimeFigureOut">
               <a:rPr lang="en-US" smtClean="0"/>
-              <a:t>4/23/2016</a:t>
+              <a:t>4/25/2016</a:t>
             </a:fld>
             <a:endParaRPr lang="en-US"/>
           </a:p>
@@ -14439,7 +14453,7 @@
           <a:p>
             <a:fld id="{8B9C5AA4-4FCA-4F47-AAC9-1240DC78B99C}" type="datetimeFigureOut">
               <a:rPr lang="en-US" smtClean="0"/>
-              <a:t>4/23/2016</a:t>
+              <a:t>4/25/2016</a:t>
             </a:fld>
             <a:endParaRPr lang="en-US"/>
           </a:p>
@@ -20818,6 +20832,1471 @@
     <p:extLst>
       <p:ext uri="{BB962C8B-B14F-4D97-AF65-F5344CB8AC3E}">
         <p14:creationId xmlns:p14="http://schemas.microsoft.com/office/powerpoint/2010/main" val="2501339025"/>
+      </p:ext>
+    </p:extLst>
+  </p:cSld>
+  <p:clrMapOvr>
+    <a:masterClrMapping/>
+  </p:clrMapOvr>
+</p:sld>
+</file>
+
+<file path=ppt/slides/slide6.xml><?xml version="1.0" encoding="utf-8"?>
+<p:sld xmlns:a="http://schemas.openxmlformats.org/drawingml/2006/main" xmlns:r="http://schemas.openxmlformats.org/officeDocument/2006/relationships" xmlns:p="http://schemas.openxmlformats.org/presentationml/2006/main">
+  <p:cSld>
+    <p:spTree>
+      <p:nvGrpSpPr>
+        <p:cNvPr id="1" name=""/>
+        <p:cNvGrpSpPr/>
+        <p:nvPr/>
+      </p:nvGrpSpPr>
+      <p:grpSpPr>
+        <a:xfrm>
+          <a:off x="0" y="0"/>
+          <a:ext cx="0" cy="0"/>
+          <a:chOff x="0" y="0"/>
+          <a:chExt cx="0" cy="0"/>
+        </a:xfrm>
+      </p:grpSpPr>
+      <p:sp>
+        <p:nvSpPr>
+          <p:cNvPr id="4" name="Rectangle 3"/>
+          <p:cNvSpPr/>
+          <p:nvPr/>
+        </p:nvSpPr>
+        <p:spPr>
+          <a:xfrm>
+            <a:off x="2828458" y="1060315"/>
+            <a:ext cx="6125097" cy="4737369"/>
+          </a:xfrm>
+          <a:prstGeom prst="rect">
+            <a:avLst/>
+          </a:prstGeom>
+          <a:solidFill>
+            <a:schemeClr val="bg1"/>
+          </a:solidFill>
+          <a:ln>
+            <a:solidFill>
+              <a:schemeClr val="accent2">
+                <a:lumMod val="75000"/>
+              </a:schemeClr>
+            </a:solidFill>
+          </a:ln>
+        </p:spPr>
+        <p:style>
+          <a:lnRef idx="2">
+            <a:schemeClr val="accent1">
+              <a:shade val="50000"/>
+            </a:schemeClr>
+          </a:lnRef>
+          <a:fillRef idx="1">
+            <a:schemeClr val="accent1"/>
+          </a:fillRef>
+          <a:effectRef idx="0">
+            <a:schemeClr val="accent1"/>
+          </a:effectRef>
+          <a:fontRef idx="minor">
+            <a:schemeClr val="lt1"/>
+          </a:fontRef>
+        </p:style>
+        <p:txBody>
+          <a:bodyPr rtlCol="0" anchor="ctr"/>
+          <a:lstStyle/>
+          <a:p>
+            <a:pPr algn="ctr"/>
+            <a:endParaRPr lang="en-US"/>
+          </a:p>
+        </p:txBody>
+      </p:sp>
+      <p:sp>
+        <p:nvSpPr>
+          <p:cNvPr id="5" name="Content Placeholder 2"/>
+          <p:cNvSpPr txBox="1">
+            <a:spLocks/>
+          </p:cNvSpPr>
+          <p:nvPr/>
+        </p:nvSpPr>
+        <p:spPr>
+          <a:xfrm>
+            <a:off x="3044757" y="1211145"/>
+            <a:ext cx="5700409" cy="4419426"/>
+          </a:xfrm>
+          <a:prstGeom prst="rect">
+            <a:avLst/>
+          </a:prstGeom>
+          <a:ln w="38100">
+            <a:solidFill>
+              <a:schemeClr val="accent2"/>
+            </a:solidFill>
+          </a:ln>
+        </p:spPr>
+        <p:txBody>
+          <a:bodyPr vert="horz" lIns="91440" tIns="45720" rIns="91440" bIns="45720" rtlCol="0" anchor="ctr">
+            <a:normAutofit/>
+          </a:bodyPr>
+          <a:lstStyle>
+            <a:lvl1pPr marL="285750" indent="-285750" algn="l" defTabSz="457200" rtl="0" eaLnBrk="1" latinLnBrk="0" hangingPunct="1">
+              <a:spcBef>
+                <a:spcPct val="20000"/>
+              </a:spcBef>
+              <a:spcAft>
+                <a:spcPts val="600"/>
+              </a:spcAft>
+              <a:buClr>
+                <a:schemeClr val="accent1">
+                  <a:lumMod val="75000"/>
+                </a:schemeClr>
+              </a:buClr>
+              <a:buSzPct val="145000"/>
+              <a:buFont typeface="Arial"/>
+              <a:buChar char="•"/>
+              <a:defRPr sz="2400" kern="1200" cap="none">
+                <a:solidFill>
+                  <a:schemeClr val="tx1"/>
+                </a:solidFill>
+                <a:effectLst/>
+                <a:latin typeface="+mn-lt"/>
+                <a:ea typeface="+mn-ea"/>
+                <a:cs typeface="+mn-cs"/>
+              </a:defRPr>
+            </a:lvl1pPr>
+            <a:lvl2pPr marL="742950" indent="-285750" algn="l" defTabSz="457200" rtl="0" eaLnBrk="1" latinLnBrk="0" hangingPunct="1">
+              <a:spcBef>
+                <a:spcPct val="20000"/>
+              </a:spcBef>
+              <a:spcAft>
+                <a:spcPts val="600"/>
+              </a:spcAft>
+              <a:buClr>
+                <a:schemeClr val="accent1">
+                  <a:lumMod val="75000"/>
+                </a:schemeClr>
+              </a:buClr>
+              <a:buSzPct val="145000"/>
+              <a:buFont typeface="Arial"/>
+              <a:buChar char="•"/>
+              <a:defRPr sz="2000" kern="1200" cap="none">
+                <a:solidFill>
+                  <a:schemeClr val="tx1"/>
+                </a:solidFill>
+                <a:effectLst/>
+                <a:latin typeface="+mn-lt"/>
+                <a:ea typeface="+mn-ea"/>
+                <a:cs typeface="+mn-cs"/>
+              </a:defRPr>
+            </a:lvl2pPr>
+            <a:lvl3pPr marL="1200150" indent="-285750" algn="l" defTabSz="457200" rtl="0" eaLnBrk="1" latinLnBrk="0" hangingPunct="1">
+              <a:spcBef>
+                <a:spcPct val="20000"/>
+              </a:spcBef>
+              <a:spcAft>
+                <a:spcPts val="600"/>
+              </a:spcAft>
+              <a:buClr>
+                <a:schemeClr val="accent1">
+                  <a:lumMod val="75000"/>
+                </a:schemeClr>
+              </a:buClr>
+              <a:buSzPct val="145000"/>
+              <a:buFont typeface="Arial"/>
+              <a:buChar char="•"/>
+              <a:defRPr sz="1800" kern="1200" cap="none">
+                <a:solidFill>
+                  <a:schemeClr val="tx1"/>
+                </a:solidFill>
+                <a:effectLst/>
+                <a:latin typeface="+mn-lt"/>
+                <a:ea typeface="+mn-ea"/>
+                <a:cs typeface="+mn-cs"/>
+              </a:defRPr>
+            </a:lvl3pPr>
+            <a:lvl4pPr marL="1543050" indent="-171450" algn="l" defTabSz="457200" rtl="0" eaLnBrk="1" latinLnBrk="0" hangingPunct="1">
+              <a:spcBef>
+                <a:spcPct val="20000"/>
+              </a:spcBef>
+              <a:spcAft>
+                <a:spcPts val="600"/>
+              </a:spcAft>
+              <a:buClr>
+                <a:schemeClr val="accent1">
+                  <a:lumMod val="75000"/>
+                </a:schemeClr>
+              </a:buClr>
+              <a:buSzPct val="145000"/>
+              <a:buFont typeface="Arial"/>
+              <a:buChar char="•"/>
+              <a:defRPr sz="1600" kern="1200" cap="none">
+                <a:solidFill>
+                  <a:schemeClr val="tx1"/>
+                </a:solidFill>
+                <a:effectLst/>
+                <a:latin typeface="+mn-lt"/>
+                <a:ea typeface="+mn-ea"/>
+                <a:cs typeface="+mn-cs"/>
+              </a:defRPr>
+            </a:lvl4pPr>
+            <a:lvl5pPr marL="2000250" indent="-171450" algn="l" defTabSz="457200" rtl="0" eaLnBrk="1" latinLnBrk="0" hangingPunct="1">
+              <a:spcBef>
+                <a:spcPct val="20000"/>
+              </a:spcBef>
+              <a:spcAft>
+                <a:spcPts val="600"/>
+              </a:spcAft>
+              <a:buClr>
+                <a:schemeClr val="accent1">
+                  <a:lumMod val="75000"/>
+                </a:schemeClr>
+              </a:buClr>
+              <a:buSzPct val="145000"/>
+              <a:buFont typeface="Arial"/>
+              <a:buChar char="•"/>
+              <a:defRPr sz="1400" kern="1200" cap="none">
+                <a:solidFill>
+                  <a:schemeClr val="tx1"/>
+                </a:solidFill>
+                <a:effectLst/>
+                <a:latin typeface="+mn-lt"/>
+                <a:ea typeface="+mn-ea"/>
+                <a:cs typeface="+mn-cs"/>
+              </a:defRPr>
+            </a:lvl5pPr>
+            <a:lvl6pPr marL="2514600" indent="-228600" algn="l" defTabSz="457200" rtl="0" eaLnBrk="1" latinLnBrk="0" hangingPunct="1">
+              <a:spcBef>
+                <a:spcPct val="20000"/>
+              </a:spcBef>
+              <a:spcAft>
+                <a:spcPts val="600"/>
+              </a:spcAft>
+              <a:buClr>
+                <a:schemeClr val="accent1">
+                  <a:lumMod val="75000"/>
+                </a:schemeClr>
+              </a:buClr>
+              <a:buSzPct val="145000"/>
+              <a:buFont typeface="Arial"/>
+              <a:buChar char="•"/>
+              <a:defRPr sz="1400" kern="1200" cap="none">
+                <a:solidFill>
+                  <a:schemeClr val="tx1"/>
+                </a:solidFill>
+                <a:effectLst/>
+                <a:latin typeface="+mn-lt"/>
+                <a:ea typeface="+mn-ea"/>
+                <a:cs typeface="+mn-cs"/>
+              </a:defRPr>
+            </a:lvl6pPr>
+            <a:lvl7pPr marL="2971800" indent="-228600" algn="l" defTabSz="457200" rtl="0" eaLnBrk="1" latinLnBrk="0" hangingPunct="1">
+              <a:spcBef>
+                <a:spcPct val="20000"/>
+              </a:spcBef>
+              <a:spcAft>
+                <a:spcPts val="600"/>
+              </a:spcAft>
+              <a:buClr>
+                <a:schemeClr val="accent1">
+                  <a:lumMod val="75000"/>
+                </a:schemeClr>
+              </a:buClr>
+              <a:buSzPct val="145000"/>
+              <a:buFont typeface="Arial"/>
+              <a:buChar char="•"/>
+              <a:defRPr sz="1400" kern="1200" cap="none">
+                <a:solidFill>
+                  <a:schemeClr val="tx1"/>
+                </a:solidFill>
+                <a:effectLst/>
+                <a:latin typeface="+mn-lt"/>
+                <a:ea typeface="+mn-ea"/>
+                <a:cs typeface="+mn-cs"/>
+              </a:defRPr>
+            </a:lvl7pPr>
+            <a:lvl8pPr marL="3429000" indent="-228600" algn="l" defTabSz="457200" rtl="0" eaLnBrk="1" latinLnBrk="0" hangingPunct="1">
+              <a:spcBef>
+                <a:spcPct val="20000"/>
+              </a:spcBef>
+              <a:spcAft>
+                <a:spcPts val="600"/>
+              </a:spcAft>
+              <a:buClr>
+                <a:schemeClr val="accent1">
+                  <a:lumMod val="75000"/>
+                </a:schemeClr>
+              </a:buClr>
+              <a:buSzPct val="145000"/>
+              <a:buFont typeface="Arial"/>
+              <a:buChar char="•"/>
+              <a:defRPr sz="1400" kern="1200" cap="none">
+                <a:solidFill>
+                  <a:schemeClr val="tx1"/>
+                </a:solidFill>
+                <a:effectLst/>
+                <a:latin typeface="+mn-lt"/>
+                <a:ea typeface="+mn-ea"/>
+                <a:cs typeface="+mn-cs"/>
+              </a:defRPr>
+            </a:lvl8pPr>
+            <a:lvl9pPr marL="3886200" indent="-228600" algn="l" defTabSz="457200" rtl="0" eaLnBrk="1" latinLnBrk="0" hangingPunct="1">
+              <a:spcBef>
+                <a:spcPct val="20000"/>
+              </a:spcBef>
+              <a:spcAft>
+                <a:spcPts val="600"/>
+              </a:spcAft>
+              <a:buClr>
+                <a:schemeClr val="accent1">
+                  <a:lumMod val="75000"/>
+                </a:schemeClr>
+              </a:buClr>
+              <a:buSzPct val="145000"/>
+              <a:buFont typeface="Arial"/>
+              <a:buChar char="•"/>
+              <a:defRPr sz="1400" kern="1200" cap="none">
+                <a:solidFill>
+                  <a:schemeClr val="tx1"/>
+                </a:solidFill>
+                <a:effectLst/>
+                <a:latin typeface="+mn-lt"/>
+                <a:ea typeface="+mn-ea"/>
+                <a:cs typeface="+mn-cs"/>
+              </a:defRPr>
+            </a:lvl9pPr>
+          </a:lstStyle>
+          <a:p>
+            <a:pPr marL="0" indent="0">
+              <a:buNone/>
+            </a:pPr>
+            <a:endParaRPr lang="en-US" sz="2000" dirty="0"/>
+          </a:p>
+        </p:txBody>
+      </p:sp>
+      <p:pic>
+        <p:nvPicPr>
+          <p:cNvPr id="8" name="Picture 7"/>
+          <p:cNvPicPr>
+            <a:picLocks noChangeAspect="1"/>
+          </p:cNvPicPr>
+          <p:nvPr/>
+        </p:nvPicPr>
+        <p:blipFill>
+          <a:blip r:embed="rId2">
+            <a:extLst>
+              <a:ext uri="{28A0092B-C50C-407E-A947-70E740481C1C}">
+                <a14:useLocalDpi xmlns:a14="http://schemas.microsoft.com/office/drawing/2010/main" val="0"/>
+              </a:ext>
+            </a:extLst>
+          </a:blip>
+          <a:stretch>
+            <a:fillRect/>
+          </a:stretch>
+        </p:blipFill>
+        <p:spPr>
+          <a:xfrm>
+            <a:off x="3943350" y="1535899"/>
+            <a:ext cx="3739976" cy="3786200"/>
+          </a:xfrm>
+          <a:prstGeom prst="rect">
+            <a:avLst/>
+          </a:prstGeom>
+        </p:spPr>
+      </p:pic>
+    </p:spTree>
+    <p:extLst>
+      <p:ext uri="{BB962C8B-B14F-4D97-AF65-F5344CB8AC3E}">
+        <p14:creationId xmlns:p14="http://schemas.microsoft.com/office/powerpoint/2010/main" val="3919359087"/>
+      </p:ext>
+    </p:extLst>
+  </p:cSld>
+  <p:clrMapOvr>
+    <a:masterClrMapping/>
+  </p:clrMapOvr>
+</p:sld>
+</file>
+
+<file path=ppt/slides/slide7.xml><?xml version="1.0" encoding="utf-8"?>
+<p:sld xmlns:a="http://schemas.openxmlformats.org/drawingml/2006/main" xmlns:r="http://schemas.openxmlformats.org/officeDocument/2006/relationships" xmlns:p="http://schemas.openxmlformats.org/presentationml/2006/main">
+  <p:cSld>
+    <p:spTree>
+      <p:nvGrpSpPr>
+        <p:cNvPr id="1" name=""/>
+        <p:cNvGrpSpPr/>
+        <p:nvPr/>
+      </p:nvGrpSpPr>
+      <p:grpSpPr>
+        <a:xfrm>
+          <a:off x="0" y="0"/>
+          <a:ext cx="0" cy="0"/>
+          <a:chOff x="0" y="0"/>
+          <a:chExt cx="0" cy="0"/>
+        </a:xfrm>
+      </p:grpSpPr>
+      <p:sp>
+        <p:nvSpPr>
+          <p:cNvPr id="4" name="Rectangle 3"/>
+          <p:cNvSpPr/>
+          <p:nvPr/>
+        </p:nvSpPr>
+        <p:spPr>
+          <a:xfrm>
+            <a:off x="2828458" y="1060315"/>
+            <a:ext cx="6125097" cy="4737369"/>
+          </a:xfrm>
+          <a:prstGeom prst="rect">
+            <a:avLst/>
+          </a:prstGeom>
+          <a:solidFill>
+            <a:schemeClr val="bg1"/>
+          </a:solidFill>
+          <a:ln>
+            <a:solidFill>
+              <a:schemeClr val="accent2">
+                <a:lumMod val="75000"/>
+              </a:schemeClr>
+            </a:solidFill>
+          </a:ln>
+        </p:spPr>
+        <p:style>
+          <a:lnRef idx="2">
+            <a:schemeClr val="accent1">
+              <a:shade val="50000"/>
+            </a:schemeClr>
+          </a:lnRef>
+          <a:fillRef idx="1">
+            <a:schemeClr val="accent1"/>
+          </a:fillRef>
+          <a:effectRef idx="0">
+            <a:schemeClr val="accent1"/>
+          </a:effectRef>
+          <a:fontRef idx="minor">
+            <a:schemeClr val="lt1"/>
+          </a:fontRef>
+        </p:style>
+        <p:txBody>
+          <a:bodyPr rtlCol="0" anchor="ctr"/>
+          <a:lstStyle/>
+          <a:p>
+            <a:pPr algn="ctr"/>
+            <a:endParaRPr lang="en-US" dirty="0"/>
+          </a:p>
+        </p:txBody>
+      </p:sp>
+      <p:sp>
+        <p:nvSpPr>
+          <p:cNvPr id="5" name="Content Placeholder 2"/>
+          <p:cNvSpPr txBox="1">
+            <a:spLocks/>
+          </p:cNvSpPr>
+          <p:nvPr/>
+        </p:nvSpPr>
+        <p:spPr>
+          <a:xfrm>
+            <a:off x="3044757" y="1211145"/>
+            <a:ext cx="5700409" cy="4419426"/>
+          </a:xfrm>
+          <a:prstGeom prst="rect">
+            <a:avLst/>
+          </a:prstGeom>
+          <a:ln w="38100">
+            <a:solidFill>
+              <a:schemeClr val="accent2"/>
+            </a:solidFill>
+          </a:ln>
+        </p:spPr>
+        <p:txBody>
+          <a:bodyPr vert="horz" lIns="91440" tIns="45720" rIns="91440" bIns="45720" rtlCol="0" anchor="ctr">
+            <a:normAutofit/>
+          </a:bodyPr>
+          <a:lstStyle>
+            <a:lvl1pPr marL="285750" indent="-285750" algn="l" defTabSz="457200" rtl="0" eaLnBrk="1" latinLnBrk="0" hangingPunct="1">
+              <a:spcBef>
+                <a:spcPct val="20000"/>
+              </a:spcBef>
+              <a:spcAft>
+                <a:spcPts val="600"/>
+              </a:spcAft>
+              <a:buClr>
+                <a:schemeClr val="accent1">
+                  <a:lumMod val="75000"/>
+                </a:schemeClr>
+              </a:buClr>
+              <a:buSzPct val="145000"/>
+              <a:buFont typeface="Arial"/>
+              <a:buChar char="•"/>
+              <a:defRPr sz="2400" kern="1200" cap="none">
+                <a:solidFill>
+                  <a:schemeClr val="tx1"/>
+                </a:solidFill>
+                <a:effectLst/>
+                <a:latin typeface="+mn-lt"/>
+                <a:ea typeface="+mn-ea"/>
+                <a:cs typeface="+mn-cs"/>
+              </a:defRPr>
+            </a:lvl1pPr>
+            <a:lvl2pPr marL="742950" indent="-285750" algn="l" defTabSz="457200" rtl="0" eaLnBrk="1" latinLnBrk="0" hangingPunct="1">
+              <a:spcBef>
+                <a:spcPct val="20000"/>
+              </a:spcBef>
+              <a:spcAft>
+                <a:spcPts val="600"/>
+              </a:spcAft>
+              <a:buClr>
+                <a:schemeClr val="accent1">
+                  <a:lumMod val="75000"/>
+                </a:schemeClr>
+              </a:buClr>
+              <a:buSzPct val="145000"/>
+              <a:buFont typeface="Arial"/>
+              <a:buChar char="•"/>
+              <a:defRPr sz="2000" kern="1200" cap="none">
+                <a:solidFill>
+                  <a:schemeClr val="tx1"/>
+                </a:solidFill>
+                <a:effectLst/>
+                <a:latin typeface="+mn-lt"/>
+                <a:ea typeface="+mn-ea"/>
+                <a:cs typeface="+mn-cs"/>
+              </a:defRPr>
+            </a:lvl2pPr>
+            <a:lvl3pPr marL="1200150" indent="-285750" algn="l" defTabSz="457200" rtl="0" eaLnBrk="1" latinLnBrk="0" hangingPunct="1">
+              <a:spcBef>
+                <a:spcPct val="20000"/>
+              </a:spcBef>
+              <a:spcAft>
+                <a:spcPts val="600"/>
+              </a:spcAft>
+              <a:buClr>
+                <a:schemeClr val="accent1">
+                  <a:lumMod val="75000"/>
+                </a:schemeClr>
+              </a:buClr>
+              <a:buSzPct val="145000"/>
+              <a:buFont typeface="Arial"/>
+              <a:buChar char="•"/>
+              <a:defRPr sz="1800" kern="1200" cap="none">
+                <a:solidFill>
+                  <a:schemeClr val="tx1"/>
+                </a:solidFill>
+                <a:effectLst/>
+                <a:latin typeface="+mn-lt"/>
+                <a:ea typeface="+mn-ea"/>
+                <a:cs typeface="+mn-cs"/>
+              </a:defRPr>
+            </a:lvl3pPr>
+            <a:lvl4pPr marL="1543050" indent="-171450" algn="l" defTabSz="457200" rtl="0" eaLnBrk="1" latinLnBrk="0" hangingPunct="1">
+              <a:spcBef>
+                <a:spcPct val="20000"/>
+              </a:spcBef>
+              <a:spcAft>
+                <a:spcPts val="600"/>
+              </a:spcAft>
+              <a:buClr>
+                <a:schemeClr val="accent1">
+                  <a:lumMod val="75000"/>
+                </a:schemeClr>
+              </a:buClr>
+              <a:buSzPct val="145000"/>
+              <a:buFont typeface="Arial"/>
+              <a:buChar char="•"/>
+              <a:defRPr sz="1600" kern="1200" cap="none">
+                <a:solidFill>
+                  <a:schemeClr val="tx1"/>
+                </a:solidFill>
+                <a:effectLst/>
+                <a:latin typeface="+mn-lt"/>
+                <a:ea typeface="+mn-ea"/>
+                <a:cs typeface="+mn-cs"/>
+              </a:defRPr>
+            </a:lvl4pPr>
+            <a:lvl5pPr marL="2000250" indent="-171450" algn="l" defTabSz="457200" rtl="0" eaLnBrk="1" latinLnBrk="0" hangingPunct="1">
+              <a:spcBef>
+                <a:spcPct val="20000"/>
+              </a:spcBef>
+              <a:spcAft>
+                <a:spcPts val="600"/>
+              </a:spcAft>
+              <a:buClr>
+                <a:schemeClr val="accent1">
+                  <a:lumMod val="75000"/>
+                </a:schemeClr>
+              </a:buClr>
+              <a:buSzPct val="145000"/>
+              <a:buFont typeface="Arial"/>
+              <a:buChar char="•"/>
+              <a:defRPr sz="1400" kern="1200" cap="none">
+                <a:solidFill>
+                  <a:schemeClr val="tx1"/>
+                </a:solidFill>
+                <a:effectLst/>
+                <a:latin typeface="+mn-lt"/>
+                <a:ea typeface="+mn-ea"/>
+                <a:cs typeface="+mn-cs"/>
+              </a:defRPr>
+            </a:lvl5pPr>
+            <a:lvl6pPr marL="2514600" indent="-228600" algn="l" defTabSz="457200" rtl="0" eaLnBrk="1" latinLnBrk="0" hangingPunct="1">
+              <a:spcBef>
+                <a:spcPct val="20000"/>
+              </a:spcBef>
+              <a:spcAft>
+                <a:spcPts val="600"/>
+              </a:spcAft>
+              <a:buClr>
+                <a:schemeClr val="accent1">
+                  <a:lumMod val="75000"/>
+                </a:schemeClr>
+              </a:buClr>
+              <a:buSzPct val="145000"/>
+              <a:buFont typeface="Arial"/>
+              <a:buChar char="•"/>
+              <a:defRPr sz="1400" kern="1200" cap="none">
+                <a:solidFill>
+                  <a:schemeClr val="tx1"/>
+                </a:solidFill>
+                <a:effectLst/>
+                <a:latin typeface="+mn-lt"/>
+                <a:ea typeface="+mn-ea"/>
+                <a:cs typeface="+mn-cs"/>
+              </a:defRPr>
+            </a:lvl6pPr>
+            <a:lvl7pPr marL="2971800" indent="-228600" algn="l" defTabSz="457200" rtl="0" eaLnBrk="1" latinLnBrk="0" hangingPunct="1">
+              <a:spcBef>
+                <a:spcPct val="20000"/>
+              </a:spcBef>
+              <a:spcAft>
+                <a:spcPts val="600"/>
+              </a:spcAft>
+              <a:buClr>
+                <a:schemeClr val="accent1">
+                  <a:lumMod val="75000"/>
+                </a:schemeClr>
+              </a:buClr>
+              <a:buSzPct val="145000"/>
+              <a:buFont typeface="Arial"/>
+              <a:buChar char="•"/>
+              <a:defRPr sz="1400" kern="1200" cap="none">
+                <a:solidFill>
+                  <a:schemeClr val="tx1"/>
+                </a:solidFill>
+                <a:effectLst/>
+                <a:latin typeface="+mn-lt"/>
+                <a:ea typeface="+mn-ea"/>
+                <a:cs typeface="+mn-cs"/>
+              </a:defRPr>
+            </a:lvl7pPr>
+            <a:lvl8pPr marL="3429000" indent="-228600" algn="l" defTabSz="457200" rtl="0" eaLnBrk="1" latinLnBrk="0" hangingPunct="1">
+              <a:spcBef>
+                <a:spcPct val="20000"/>
+              </a:spcBef>
+              <a:spcAft>
+                <a:spcPts val="600"/>
+              </a:spcAft>
+              <a:buClr>
+                <a:schemeClr val="accent1">
+                  <a:lumMod val="75000"/>
+                </a:schemeClr>
+              </a:buClr>
+              <a:buSzPct val="145000"/>
+              <a:buFont typeface="Arial"/>
+              <a:buChar char="•"/>
+              <a:defRPr sz="1400" kern="1200" cap="none">
+                <a:solidFill>
+                  <a:schemeClr val="tx1"/>
+                </a:solidFill>
+                <a:effectLst/>
+                <a:latin typeface="+mn-lt"/>
+                <a:ea typeface="+mn-ea"/>
+                <a:cs typeface="+mn-cs"/>
+              </a:defRPr>
+            </a:lvl8pPr>
+            <a:lvl9pPr marL="3886200" indent="-228600" algn="l" defTabSz="457200" rtl="0" eaLnBrk="1" latinLnBrk="0" hangingPunct="1">
+              <a:spcBef>
+                <a:spcPct val="20000"/>
+              </a:spcBef>
+              <a:spcAft>
+                <a:spcPts val="600"/>
+              </a:spcAft>
+              <a:buClr>
+                <a:schemeClr val="accent1">
+                  <a:lumMod val="75000"/>
+                </a:schemeClr>
+              </a:buClr>
+              <a:buSzPct val="145000"/>
+              <a:buFont typeface="Arial"/>
+              <a:buChar char="•"/>
+              <a:defRPr sz="1400" kern="1200" cap="none">
+                <a:solidFill>
+                  <a:schemeClr val="tx1"/>
+                </a:solidFill>
+                <a:effectLst/>
+                <a:latin typeface="+mn-lt"/>
+                <a:ea typeface="+mn-ea"/>
+                <a:cs typeface="+mn-cs"/>
+              </a:defRPr>
+            </a:lvl9pPr>
+          </a:lstStyle>
+          <a:p>
+            <a:pPr marL="0" indent="0">
+              <a:buNone/>
+            </a:pPr>
+            <a:r>
+              <a:rPr lang="en-US" sz="2000" b="1" dirty="0"/>
+              <a:t>The Goal/Concept:</a:t>
+            </a:r>
+          </a:p>
+          <a:p>
+            <a:pPr marL="0" indent="0">
+              <a:buNone/>
+            </a:pPr>
+            <a:r>
+              <a:rPr lang="en-US" sz="2000" dirty="0"/>
+              <a:t>The goal of the game is to spread out your troops to capture 9 territories of the board and hold onto those territories by your </a:t>
+            </a:r>
+            <a:r>
+              <a:rPr lang="en-US" sz="2000" b="1" dirty="0"/>
+              <a:t>next turn</a:t>
+            </a:r>
+            <a:r>
+              <a:rPr lang="en-US" sz="2000" dirty="0"/>
+              <a:t>.</a:t>
+            </a:r>
+          </a:p>
+          <a:p>
+            <a:pPr marL="0" indent="0">
+              <a:buNone/>
+            </a:pPr>
+            <a:r>
+              <a:rPr lang="en-US" sz="2000" dirty="0"/>
+              <a:t>In this game you will be able to create two types of units, a weak warrior and a strong warrior. Each type of unit has a different cost amount, total moves it can travel across the board, and attack power.</a:t>
+            </a:r>
+          </a:p>
+          <a:p>
+            <a:pPr marL="0" indent="0">
+              <a:buNone/>
+            </a:pPr>
+            <a:endParaRPr lang="en-US" sz="2000" dirty="0"/>
+          </a:p>
+          <a:p>
+            <a:pPr marL="0" indent="0">
+              <a:buNone/>
+            </a:pPr>
+            <a:endParaRPr lang="en-US" sz="2000" dirty="0"/>
+          </a:p>
+          <a:p>
+            <a:pPr marL="0" indent="0">
+              <a:buNone/>
+            </a:pPr>
+            <a:endParaRPr lang="en-US" sz="2000" dirty="0"/>
+          </a:p>
+        </p:txBody>
+      </p:sp>
+    </p:spTree>
+    <p:extLst>
+      <p:ext uri="{BB962C8B-B14F-4D97-AF65-F5344CB8AC3E}">
+        <p14:creationId xmlns:p14="http://schemas.microsoft.com/office/powerpoint/2010/main" val="458596147"/>
+      </p:ext>
+    </p:extLst>
+  </p:cSld>
+  <p:clrMapOvr>
+    <a:masterClrMapping/>
+  </p:clrMapOvr>
+</p:sld>
+</file>
+
+<file path=ppt/slides/slide8.xml><?xml version="1.0" encoding="utf-8"?>
+<p:sld xmlns:a="http://schemas.openxmlformats.org/drawingml/2006/main" xmlns:r="http://schemas.openxmlformats.org/officeDocument/2006/relationships" xmlns:p="http://schemas.openxmlformats.org/presentationml/2006/main">
+  <p:cSld>
+    <p:spTree>
+      <p:nvGrpSpPr>
+        <p:cNvPr id="1" name=""/>
+        <p:cNvGrpSpPr/>
+        <p:nvPr/>
+      </p:nvGrpSpPr>
+      <p:grpSpPr>
+        <a:xfrm>
+          <a:off x="0" y="0"/>
+          <a:ext cx="0" cy="0"/>
+          <a:chOff x="0" y="0"/>
+          <a:chExt cx="0" cy="0"/>
+        </a:xfrm>
+      </p:grpSpPr>
+      <p:sp>
+        <p:nvSpPr>
+          <p:cNvPr id="4" name="Rectangle 3"/>
+          <p:cNvSpPr/>
+          <p:nvPr/>
+        </p:nvSpPr>
+        <p:spPr>
+          <a:xfrm>
+            <a:off x="2828458" y="1060315"/>
+            <a:ext cx="6125097" cy="4737369"/>
+          </a:xfrm>
+          <a:prstGeom prst="rect">
+            <a:avLst/>
+          </a:prstGeom>
+          <a:solidFill>
+            <a:schemeClr val="bg1"/>
+          </a:solidFill>
+          <a:ln>
+            <a:solidFill>
+              <a:schemeClr val="accent2">
+                <a:lumMod val="75000"/>
+              </a:schemeClr>
+            </a:solidFill>
+          </a:ln>
+        </p:spPr>
+        <p:style>
+          <a:lnRef idx="2">
+            <a:schemeClr val="accent1">
+              <a:shade val="50000"/>
+            </a:schemeClr>
+          </a:lnRef>
+          <a:fillRef idx="1">
+            <a:schemeClr val="accent1"/>
+          </a:fillRef>
+          <a:effectRef idx="0">
+            <a:schemeClr val="accent1"/>
+          </a:effectRef>
+          <a:fontRef idx="minor">
+            <a:schemeClr val="lt1"/>
+          </a:fontRef>
+        </p:style>
+        <p:txBody>
+          <a:bodyPr rtlCol="0" anchor="ctr"/>
+          <a:lstStyle/>
+          <a:p>
+            <a:pPr algn="ctr"/>
+            <a:endParaRPr lang="en-US"/>
+          </a:p>
+        </p:txBody>
+      </p:sp>
+      <p:sp>
+        <p:nvSpPr>
+          <p:cNvPr id="5" name="Content Placeholder 2"/>
+          <p:cNvSpPr txBox="1">
+            <a:spLocks/>
+          </p:cNvSpPr>
+          <p:nvPr/>
+        </p:nvSpPr>
+        <p:spPr>
+          <a:xfrm>
+            <a:off x="3044757" y="1211145"/>
+            <a:ext cx="5700409" cy="4419426"/>
+          </a:xfrm>
+          <a:prstGeom prst="rect">
+            <a:avLst/>
+          </a:prstGeom>
+          <a:ln w="38100">
+            <a:solidFill>
+              <a:schemeClr val="accent2"/>
+            </a:solidFill>
+          </a:ln>
+        </p:spPr>
+        <p:txBody>
+          <a:bodyPr vert="horz" lIns="91440" tIns="45720" rIns="91440" bIns="45720" rtlCol="0" anchor="ctr">
+            <a:normAutofit/>
+          </a:bodyPr>
+          <a:lstStyle>
+            <a:lvl1pPr marL="285750" indent="-285750" algn="l" defTabSz="457200" rtl="0" eaLnBrk="1" latinLnBrk="0" hangingPunct="1">
+              <a:spcBef>
+                <a:spcPct val="20000"/>
+              </a:spcBef>
+              <a:spcAft>
+                <a:spcPts val="600"/>
+              </a:spcAft>
+              <a:buClr>
+                <a:schemeClr val="accent1">
+                  <a:lumMod val="75000"/>
+                </a:schemeClr>
+              </a:buClr>
+              <a:buSzPct val="145000"/>
+              <a:buFont typeface="Arial"/>
+              <a:buChar char="•"/>
+              <a:defRPr sz="2400" kern="1200" cap="none">
+                <a:solidFill>
+                  <a:schemeClr val="tx1"/>
+                </a:solidFill>
+                <a:effectLst/>
+                <a:latin typeface="+mn-lt"/>
+                <a:ea typeface="+mn-ea"/>
+                <a:cs typeface="+mn-cs"/>
+              </a:defRPr>
+            </a:lvl1pPr>
+            <a:lvl2pPr marL="742950" indent="-285750" algn="l" defTabSz="457200" rtl="0" eaLnBrk="1" latinLnBrk="0" hangingPunct="1">
+              <a:spcBef>
+                <a:spcPct val="20000"/>
+              </a:spcBef>
+              <a:spcAft>
+                <a:spcPts val="600"/>
+              </a:spcAft>
+              <a:buClr>
+                <a:schemeClr val="accent1">
+                  <a:lumMod val="75000"/>
+                </a:schemeClr>
+              </a:buClr>
+              <a:buSzPct val="145000"/>
+              <a:buFont typeface="Arial"/>
+              <a:buChar char="•"/>
+              <a:defRPr sz="2000" kern="1200" cap="none">
+                <a:solidFill>
+                  <a:schemeClr val="tx1"/>
+                </a:solidFill>
+                <a:effectLst/>
+                <a:latin typeface="+mn-lt"/>
+                <a:ea typeface="+mn-ea"/>
+                <a:cs typeface="+mn-cs"/>
+              </a:defRPr>
+            </a:lvl2pPr>
+            <a:lvl3pPr marL="1200150" indent="-285750" algn="l" defTabSz="457200" rtl="0" eaLnBrk="1" latinLnBrk="0" hangingPunct="1">
+              <a:spcBef>
+                <a:spcPct val="20000"/>
+              </a:spcBef>
+              <a:spcAft>
+                <a:spcPts val="600"/>
+              </a:spcAft>
+              <a:buClr>
+                <a:schemeClr val="accent1">
+                  <a:lumMod val="75000"/>
+                </a:schemeClr>
+              </a:buClr>
+              <a:buSzPct val="145000"/>
+              <a:buFont typeface="Arial"/>
+              <a:buChar char="•"/>
+              <a:defRPr sz="1800" kern="1200" cap="none">
+                <a:solidFill>
+                  <a:schemeClr val="tx1"/>
+                </a:solidFill>
+                <a:effectLst/>
+                <a:latin typeface="+mn-lt"/>
+                <a:ea typeface="+mn-ea"/>
+                <a:cs typeface="+mn-cs"/>
+              </a:defRPr>
+            </a:lvl3pPr>
+            <a:lvl4pPr marL="1543050" indent="-171450" algn="l" defTabSz="457200" rtl="0" eaLnBrk="1" latinLnBrk="0" hangingPunct="1">
+              <a:spcBef>
+                <a:spcPct val="20000"/>
+              </a:spcBef>
+              <a:spcAft>
+                <a:spcPts val="600"/>
+              </a:spcAft>
+              <a:buClr>
+                <a:schemeClr val="accent1">
+                  <a:lumMod val="75000"/>
+                </a:schemeClr>
+              </a:buClr>
+              <a:buSzPct val="145000"/>
+              <a:buFont typeface="Arial"/>
+              <a:buChar char="•"/>
+              <a:defRPr sz="1600" kern="1200" cap="none">
+                <a:solidFill>
+                  <a:schemeClr val="tx1"/>
+                </a:solidFill>
+                <a:effectLst/>
+                <a:latin typeface="+mn-lt"/>
+                <a:ea typeface="+mn-ea"/>
+                <a:cs typeface="+mn-cs"/>
+              </a:defRPr>
+            </a:lvl4pPr>
+            <a:lvl5pPr marL="2000250" indent="-171450" algn="l" defTabSz="457200" rtl="0" eaLnBrk="1" latinLnBrk="0" hangingPunct="1">
+              <a:spcBef>
+                <a:spcPct val="20000"/>
+              </a:spcBef>
+              <a:spcAft>
+                <a:spcPts val="600"/>
+              </a:spcAft>
+              <a:buClr>
+                <a:schemeClr val="accent1">
+                  <a:lumMod val="75000"/>
+                </a:schemeClr>
+              </a:buClr>
+              <a:buSzPct val="145000"/>
+              <a:buFont typeface="Arial"/>
+              <a:buChar char="•"/>
+              <a:defRPr sz="1400" kern="1200" cap="none">
+                <a:solidFill>
+                  <a:schemeClr val="tx1"/>
+                </a:solidFill>
+                <a:effectLst/>
+                <a:latin typeface="+mn-lt"/>
+                <a:ea typeface="+mn-ea"/>
+                <a:cs typeface="+mn-cs"/>
+              </a:defRPr>
+            </a:lvl5pPr>
+            <a:lvl6pPr marL="2514600" indent="-228600" algn="l" defTabSz="457200" rtl="0" eaLnBrk="1" latinLnBrk="0" hangingPunct="1">
+              <a:spcBef>
+                <a:spcPct val="20000"/>
+              </a:spcBef>
+              <a:spcAft>
+                <a:spcPts val="600"/>
+              </a:spcAft>
+              <a:buClr>
+                <a:schemeClr val="accent1">
+                  <a:lumMod val="75000"/>
+                </a:schemeClr>
+              </a:buClr>
+              <a:buSzPct val="145000"/>
+              <a:buFont typeface="Arial"/>
+              <a:buChar char="•"/>
+              <a:defRPr sz="1400" kern="1200" cap="none">
+                <a:solidFill>
+                  <a:schemeClr val="tx1"/>
+                </a:solidFill>
+                <a:effectLst/>
+                <a:latin typeface="+mn-lt"/>
+                <a:ea typeface="+mn-ea"/>
+                <a:cs typeface="+mn-cs"/>
+              </a:defRPr>
+            </a:lvl6pPr>
+            <a:lvl7pPr marL="2971800" indent="-228600" algn="l" defTabSz="457200" rtl="0" eaLnBrk="1" latinLnBrk="0" hangingPunct="1">
+              <a:spcBef>
+                <a:spcPct val="20000"/>
+              </a:spcBef>
+              <a:spcAft>
+                <a:spcPts val="600"/>
+              </a:spcAft>
+              <a:buClr>
+                <a:schemeClr val="accent1">
+                  <a:lumMod val="75000"/>
+                </a:schemeClr>
+              </a:buClr>
+              <a:buSzPct val="145000"/>
+              <a:buFont typeface="Arial"/>
+              <a:buChar char="•"/>
+              <a:defRPr sz="1400" kern="1200" cap="none">
+                <a:solidFill>
+                  <a:schemeClr val="tx1"/>
+                </a:solidFill>
+                <a:effectLst/>
+                <a:latin typeface="+mn-lt"/>
+                <a:ea typeface="+mn-ea"/>
+                <a:cs typeface="+mn-cs"/>
+              </a:defRPr>
+            </a:lvl7pPr>
+            <a:lvl8pPr marL="3429000" indent="-228600" algn="l" defTabSz="457200" rtl="0" eaLnBrk="1" latinLnBrk="0" hangingPunct="1">
+              <a:spcBef>
+                <a:spcPct val="20000"/>
+              </a:spcBef>
+              <a:spcAft>
+                <a:spcPts val="600"/>
+              </a:spcAft>
+              <a:buClr>
+                <a:schemeClr val="accent1">
+                  <a:lumMod val="75000"/>
+                </a:schemeClr>
+              </a:buClr>
+              <a:buSzPct val="145000"/>
+              <a:buFont typeface="Arial"/>
+              <a:buChar char="•"/>
+              <a:defRPr sz="1400" kern="1200" cap="none">
+                <a:solidFill>
+                  <a:schemeClr val="tx1"/>
+                </a:solidFill>
+                <a:effectLst/>
+                <a:latin typeface="+mn-lt"/>
+                <a:ea typeface="+mn-ea"/>
+                <a:cs typeface="+mn-cs"/>
+              </a:defRPr>
+            </a:lvl8pPr>
+            <a:lvl9pPr marL="3886200" indent="-228600" algn="l" defTabSz="457200" rtl="0" eaLnBrk="1" latinLnBrk="0" hangingPunct="1">
+              <a:spcBef>
+                <a:spcPct val="20000"/>
+              </a:spcBef>
+              <a:spcAft>
+                <a:spcPts val="600"/>
+              </a:spcAft>
+              <a:buClr>
+                <a:schemeClr val="accent1">
+                  <a:lumMod val="75000"/>
+                </a:schemeClr>
+              </a:buClr>
+              <a:buSzPct val="145000"/>
+              <a:buFont typeface="Arial"/>
+              <a:buChar char="•"/>
+              <a:defRPr sz="1400" kern="1200" cap="none">
+                <a:solidFill>
+                  <a:schemeClr val="tx1"/>
+                </a:solidFill>
+                <a:effectLst/>
+                <a:latin typeface="+mn-lt"/>
+                <a:ea typeface="+mn-ea"/>
+                <a:cs typeface="+mn-cs"/>
+              </a:defRPr>
+            </a:lvl9pPr>
+          </a:lstStyle>
+          <a:p>
+            <a:pPr marL="0" indent="0">
+              <a:buNone/>
+            </a:pPr>
+            <a:r>
+              <a:rPr lang="en-US" sz="2000" b="1" dirty="0"/>
+              <a:t>How to play:</a:t>
+            </a:r>
+          </a:p>
+          <a:p>
+            <a:pPr marL="0" indent="0">
+              <a:buNone/>
+            </a:pPr>
+            <a:r>
+              <a:rPr lang="en-US" sz="2000" dirty="0"/>
+              <a:t>This is a two player game. One person will be the </a:t>
+            </a:r>
+            <a:r>
+              <a:rPr lang="en-US" sz="2000" b="1" dirty="0">
+                <a:solidFill>
+                  <a:srgbClr val="0070C0"/>
+                </a:solidFill>
+              </a:rPr>
+              <a:t>Blue Team </a:t>
+            </a:r>
+            <a:r>
+              <a:rPr lang="en-US" sz="2000" dirty="0"/>
+              <a:t>and the other </a:t>
+            </a:r>
+            <a:r>
+              <a:rPr lang="en-US" sz="2000" b="1" dirty="0">
+                <a:solidFill>
+                  <a:srgbClr val="F20000"/>
+                </a:solidFill>
+              </a:rPr>
+              <a:t>Red Team</a:t>
+            </a:r>
+            <a:r>
+              <a:rPr lang="en-US" sz="2000" dirty="0"/>
+              <a:t>. Once it is your turn you will be able to spend money to build units and then move your units to take over territories. Once you can not longer take an action hit </a:t>
+            </a:r>
+            <a:r>
+              <a:rPr lang="en-US" sz="2000" b="1" dirty="0"/>
+              <a:t>end turn.</a:t>
+            </a:r>
+            <a:r>
+              <a:rPr lang="en-US" sz="2000" dirty="0"/>
+              <a:t> </a:t>
+            </a:r>
+          </a:p>
+          <a:p>
+            <a:pPr>
+              <a:buFont typeface="Wingdings" panose="05000000000000000000" pitchFamily="2" charset="2"/>
+              <a:buChar char="§"/>
+            </a:pPr>
+            <a:endParaRPr lang="en-US" sz="2000" dirty="0"/>
+          </a:p>
+          <a:p>
+            <a:pPr>
+              <a:buFont typeface="Wingdings" panose="05000000000000000000" pitchFamily="2" charset="2"/>
+              <a:buChar char="§"/>
+            </a:pPr>
+            <a:endParaRPr lang="en-US" sz="2000" dirty="0"/>
+          </a:p>
+          <a:p>
+            <a:pPr>
+              <a:buFont typeface="Wingdings" panose="05000000000000000000" pitchFamily="2" charset="2"/>
+              <a:buChar char="§"/>
+            </a:pPr>
+            <a:endParaRPr lang="en-US" sz="2000" dirty="0"/>
+          </a:p>
+          <a:p>
+            <a:pPr lvl="1">
+              <a:buFont typeface="Wingdings" panose="05000000000000000000" pitchFamily="2" charset="2"/>
+              <a:buChar char="§"/>
+            </a:pPr>
+            <a:endParaRPr lang="en-US" sz="1600" dirty="0">
+              <a:latin typeface="Arial" panose="020B0604020202020204" pitchFamily="34" charset="0"/>
+              <a:cs typeface="Arial" panose="020B0604020202020204" pitchFamily="34" charset="0"/>
+            </a:endParaRPr>
+          </a:p>
+          <a:p>
+            <a:pPr marL="0" indent="0">
+              <a:buNone/>
+            </a:pPr>
+            <a:endParaRPr lang="en-US" sz="2000" dirty="0">
+              <a:solidFill>
+                <a:srgbClr val="FF0000"/>
+              </a:solidFill>
+            </a:endParaRPr>
+          </a:p>
+        </p:txBody>
+      </p:sp>
+      <p:graphicFrame>
+        <p:nvGraphicFramePr>
+          <p:cNvPr id="2" name="Table 1"/>
+          <p:cNvGraphicFramePr>
+            <a:graphicFrameLocks noGrp="1"/>
+          </p:cNvGraphicFramePr>
+          <p:nvPr>
+            <p:extLst>
+              <p:ext uri="{D42A27DB-BD31-4B8C-83A1-F6EECF244321}">
+                <p14:modId xmlns:p14="http://schemas.microsoft.com/office/powerpoint/2010/main" val="3973091974"/>
+              </p:ext>
+            </p:extLst>
+          </p:nvPr>
+        </p:nvGraphicFramePr>
+        <p:xfrm>
+          <a:off x="3333750" y="3521789"/>
+          <a:ext cx="3981451" cy="1686653"/>
+        </p:xfrm>
+        <a:graphic>
+          <a:graphicData uri="http://schemas.openxmlformats.org/drawingml/2006/table">
+            <a:tbl>
+              <a:tblPr firstRow="1" bandRow="1">
+                <a:tableStyleId>{5C22544A-7EE6-4342-B048-85BDC9FD1C3A}</a:tableStyleId>
+              </a:tblPr>
+              <a:tblGrid>
+                <a:gridCol w="1223736">
+                  <a:extLst>
+                    <a:ext uri="{9D8B030D-6E8A-4147-A177-3AD203B41FA5}">
+                      <a16:colId xmlns:a16="http://schemas.microsoft.com/office/drawing/2014/main" val="2167018587"/>
+                    </a:ext>
+                  </a:extLst>
+                </a:gridCol>
+                <a:gridCol w="844551">
+                  <a:extLst>
+                    <a:ext uri="{9D8B030D-6E8A-4147-A177-3AD203B41FA5}">
+                      <a16:colId xmlns:a16="http://schemas.microsoft.com/office/drawing/2014/main" val="736898238"/>
+                    </a:ext>
+                  </a:extLst>
+                </a:gridCol>
+                <a:gridCol w="956582">
+                  <a:extLst>
+                    <a:ext uri="{9D8B030D-6E8A-4147-A177-3AD203B41FA5}">
+                      <a16:colId xmlns:a16="http://schemas.microsoft.com/office/drawing/2014/main" val="159973770"/>
+                    </a:ext>
+                  </a:extLst>
+                </a:gridCol>
+                <a:gridCol w="956582">
+                  <a:extLst>
+                    <a:ext uri="{9D8B030D-6E8A-4147-A177-3AD203B41FA5}">
+                      <a16:colId xmlns:a16="http://schemas.microsoft.com/office/drawing/2014/main" val="960821656"/>
+                    </a:ext>
+                  </a:extLst>
+                </a:gridCol>
+              </a:tblGrid>
+              <a:tr h="406493">
+                <a:tc>
+                  <a:txBody>
+                    <a:bodyPr/>
+                    <a:lstStyle/>
+                    <a:p>
+                      <a:endParaRPr lang="en-US" dirty="0">
+                        <a:latin typeface="Arial" panose="020B0604020202020204" pitchFamily="34" charset="0"/>
+                        <a:cs typeface="Arial" panose="020B0604020202020204" pitchFamily="34" charset="0"/>
+                      </a:endParaRPr>
+                    </a:p>
+                  </a:txBody>
+                  <a:tcPr/>
+                </a:tc>
+                <a:tc>
+                  <a:txBody>
+                    <a:bodyPr/>
+                    <a:lstStyle/>
+                    <a:p>
+                      <a:r>
+                        <a:rPr lang="en-US" dirty="0">
+                          <a:latin typeface="Arial" panose="020B0604020202020204" pitchFamily="34" charset="0"/>
+                          <a:cs typeface="Arial" panose="020B0604020202020204" pitchFamily="34" charset="0"/>
+                        </a:rPr>
+                        <a:t>Cost</a:t>
+                      </a:r>
+                    </a:p>
+                  </a:txBody>
+                  <a:tcPr/>
+                </a:tc>
+                <a:tc>
+                  <a:txBody>
+                    <a:bodyPr/>
+                    <a:lstStyle/>
+                    <a:p>
+                      <a:r>
+                        <a:rPr lang="en-US" dirty="0">
+                          <a:latin typeface="Arial" panose="020B0604020202020204" pitchFamily="34" charset="0"/>
+                          <a:cs typeface="Arial" panose="020B0604020202020204" pitchFamily="34" charset="0"/>
+                        </a:rPr>
+                        <a:t>Moves</a:t>
+                      </a:r>
+                    </a:p>
+                  </a:txBody>
+                  <a:tcPr/>
+                </a:tc>
+                <a:tc>
+                  <a:txBody>
+                    <a:bodyPr/>
+                    <a:lstStyle/>
+                    <a:p>
+                      <a:r>
+                        <a:rPr lang="en-US" dirty="0">
+                          <a:latin typeface="Arial" panose="020B0604020202020204" pitchFamily="34" charset="0"/>
+                          <a:cs typeface="Arial" panose="020B0604020202020204" pitchFamily="34" charset="0"/>
+                        </a:rPr>
+                        <a:t>Attack</a:t>
+                      </a:r>
+                    </a:p>
+                  </a:txBody>
+                  <a:tcPr/>
+                </a:tc>
+                <a:extLst>
+                  <a:ext uri="{0D108BD9-81ED-4DB2-BD59-A6C34878D82A}">
+                    <a16:rowId xmlns:a16="http://schemas.microsoft.com/office/drawing/2014/main" val="116067596"/>
+                  </a:ext>
+                </a:extLst>
+              </a:tr>
+              <a:tr h="602846">
+                <a:tc>
+                  <a:txBody>
+                    <a:bodyPr/>
+                    <a:lstStyle/>
+                    <a:p>
+                      <a:r>
+                        <a:rPr lang="en-US" b="1" dirty="0">
+                          <a:solidFill>
+                            <a:schemeClr val="tx1">
+                              <a:lumMod val="95000"/>
+                              <a:lumOff val="5000"/>
+                            </a:schemeClr>
+                          </a:solidFill>
+                          <a:latin typeface="Arial" panose="020B0604020202020204" pitchFamily="34" charset="0"/>
+                          <a:cs typeface="Arial" panose="020B0604020202020204" pitchFamily="34" charset="0"/>
+                        </a:rPr>
+                        <a:t>Weak Warrior</a:t>
+                      </a:r>
+                    </a:p>
+                  </a:txBody>
+                  <a:tcPr/>
+                </a:tc>
+                <a:tc>
+                  <a:txBody>
+                    <a:bodyPr/>
+                    <a:lstStyle/>
+                    <a:p>
+                      <a:r>
+                        <a:rPr lang="en-US" dirty="0">
+                          <a:latin typeface="Arial" panose="020B0604020202020204" pitchFamily="34" charset="0"/>
+                          <a:cs typeface="Arial" panose="020B0604020202020204" pitchFamily="34" charset="0"/>
+                        </a:rPr>
+                        <a:t>1</a:t>
+                      </a:r>
+                    </a:p>
+                  </a:txBody>
+                  <a:tcPr/>
+                </a:tc>
+                <a:tc>
+                  <a:txBody>
+                    <a:bodyPr/>
+                    <a:lstStyle/>
+                    <a:p>
+                      <a:r>
+                        <a:rPr lang="en-US" dirty="0">
+                          <a:latin typeface="Arial" panose="020B0604020202020204" pitchFamily="34" charset="0"/>
+                          <a:cs typeface="Arial" panose="020B0604020202020204" pitchFamily="34" charset="0"/>
+                        </a:rPr>
+                        <a:t>1</a:t>
+                      </a:r>
+                    </a:p>
+                  </a:txBody>
+                  <a:tcPr/>
+                </a:tc>
+                <a:tc>
+                  <a:txBody>
+                    <a:bodyPr/>
+                    <a:lstStyle/>
+                    <a:p>
+                      <a:r>
+                        <a:rPr lang="en-US" dirty="0">
+                          <a:latin typeface="Arial" panose="020B0604020202020204" pitchFamily="34" charset="0"/>
+                          <a:cs typeface="Arial" panose="020B0604020202020204" pitchFamily="34" charset="0"/>
+                        </a:rPr>
+                        <a:t>?</a:t>
+                      </a:r>
+                    </a:p>
+                  </a:txBody>
+                  <a:tcPr/>
+                </a:tc>
+                <a:extLst>
+                  <a:ext uri="{0D108BD9-81ED-4DB2-BD59-A6C34878D82A}">
+                    <a16:rowId xmlns:a16="http://schemas.microsoft.com/office/drawing/2014/main" val="1111973131"/>
+                  </a:ext>
+                </a:extLst>
+              </a:tr>
+              <a:tr h="602846">
+                <a:tc>
+                  <a:txBody>
+                    <a:bodyPr/>
+                    <a:lstStyle/>
+                    <a:p>
+                      <a:r>
+                        <a:rPr lang="en-US" b="1" dirty="0">
+                          <a:solidFill>
+                            <a:schemeClr val="tx1">
+                              <a:lumMod val="95000"/>
+                              <a:lumOff val="5000"/>
+                            </a:schemeClr>
+                          </a:solidFill>
+                          <a:latin typeface="Arial" panose="020B0604020202020204" pitchFamily="34" charset="0"/>
+                          <a:cs typeface="Arial" panose="020B0604020202020204" pitchFamily="34" charset="0"/>
+                        </a:rPr>
+                        <a:t>Strong Warrior</a:t>
+                      </a:r>
+                    </a:p>
+                  </a:txBody>
+                  <a:tcPr/>
+                </a:tc>
+                <a:tc>
+                  <a:txBody>
+                    <a:bodyPr/>
+                    <a:lstStyle/>
+                    <a:p>
+                      <a:r>
+                        <a:rPr lang="en-US" dirty="0">
+                          <a:latin typeface="Arial" panose="020B0604020202020204" pitchFamily="34" charset="0"/>
+                          <a:cs typeface="Arial" panose="020B0604020202020204" pitchFamily="34" charset="0"/>
+                        </a:rPr>
+                        <a:t>3</a:t>
+                      </a:r>
+                    </a:p>
+                  </a:txBody>
+                  <a:tcPr/>
+                </a:tc>
+                <a:tc>
+                  <a:txBody>
+                    <a:bodyPr/>
+                    <a:lstStyle/>
+                    <a:p>
+                      <a:r>
+                        <a:rPr lang="en-US" dirty="0">
+                          <a:latin typeface="Arial" panose="020B0604020202020204" pitchFamily="34" charset="0"/>
+                          <a:cs typeface="Arial" panose="020B0604020202020204" pitchFamily="34" charset="0"/>
+                        </a:rPr>
+                        <a:t>2</a:t>
+                      </a:r>
+                    </a:p>
+                  </a:txBody>
+                  <a:tcPr/>
+                </a:tc>
+                <a:tc>
+                  <a:txBody>
+                    <a:bodyPr/>
+                    <a:lstStyle/>
+                    <a:p>
+                      <a:r>
+                        <a:rPr lang="en-US" dirty="0">
+                          <a:latin typeface="Arial" panose="020B0604020202020204" pitchFamily="34" charset="0"/>
+                          <a:cs typeface="Arial" panose="020B0604020202020204" pitchFamily="34" charset="0"/>
+                        </a:rPr>
+                        <a:t>?</a:t>
+                      </a:r>
+                    </a:p>
+                  </a:txBody>
+                  <a:tcPr/>
+                </a:tc>
+                <a:extLst>
+                  <a:ext uri="{0D108BD9-81ED-4DB2-BD59-A6C34878D82A}">
+                    <a16:rowId xmlns:a16="http://schemas.microsoft.com/office/drawing/2014/main" val="571297172"/>
+                  </a:ext>
+                </a:extLst>
+              </a:tr>
+            </a:tbl>
+          </a:graphicData>
+        </a:graphic>
+      </p:graphicFrame>
+    </p:spTree>
+    <p:extLst>
+      <p:ext uri="{BB962C8B-B14F-4D97-AF65-F5344CB8AC3E}">
+        <p14:creationId xmlns:p14="http://schemas.microsoft.com/office/powerpoint/2010/main" val="4263732065"/>
       </p:ext>
     </p:extLst>
   </p:cSld>

--- a/RacketProject.pptx
+++ b/RacketProject.pptx
@@ -261,7 +261,7 @@
           <a:p>
             <a:fld id="{8B9C5AA4-4FCA-4F47-AAC9-1240DC78B99C}" type="datetimeFigureOut">
               <a:rPr lang="en-US" smtClean="0"/>
-              <a:t>4/25/2016</a:t>
+              <a:t>4/28/2016</a:t>
             </a:fld>
             <a:endParaRPr lang="en-US"/>
           </a:p>
@@ -429,7 +429,7 @@
           <a:p>
             <a:fld id="{8B9C5AA4-4FCA-4F47-AAC9-1240DC78B99C}" type="datetimeFigureOut">
               <a:rPr lang="en-US" smtClean="0"/>
-              <a:t>4/25/2016</a:t>
+              <a:t>4/28/2016</a:t>
             </a:fld>
             <a:endParaRPr lang="en-US"/>
           </a:p>
@@ -607,7 +607,7 @@
           <a:p>
             <a:fld id="{8B9C5AA4-4FCA-4F47-AAC9-1240DC78B99C}" type="datetimeFigureOut">
               <a:rPr lang="en-US" smtClean="0"/>
-              <a:t>4/25/2016</a:t>
+              <a:t>4/28/2016</a:t>
             </a:fld>
             <a:endParaRPr lang="en-US"/>
           </a:p>
@@ -1170,7 +1170,7 @@
           <a:p>
             <a:fld id="{8B9C5AA4-4FCA-4F47-AAC9-1240DC78B99C}" type="datetimeFigureOut">
               <a:rPr lang="en-US" smtClean="0"/>
-              <a:t>4/25/2016</a:t>
+              <a:t>4/28/2016</a:t>
             </a:fld>
             <a:endParaRPr lang="en-US"/>
           </a:p>
@@ -1345,7 +1345,7 @@
           <a:p>
             <a:fld id="{8B9C5AA4-4FCA-4F47-AAC9-1240DC78B99C}" type="datetimeFigureOut">
               <a:rPr lang="en-US" smtClean="0"/>
-              <a:t>4/25/2016</a:t>
+              <a:t>4/28/2016</a:t>
             </a:fld>
             <a:endParaRPr lang="en-US"/>
           </a:p>
@@ -1596,7 +1596,7 @@
           <a:p>
             <a:fld id="{8B9C5AA4-4FCA-4F47-AAC9-1240DC78B99C}" type="datetimeFigureOut">
               <a:rPr lang="en-US" smtClean="0"/>
-              <a:t>4/25/2016</a:t>
+              <a:t>4/28/2016</a:t>
             </a:fld>
             <a:endParaRPr lang="en-US"/>
           </a:p>
@@ -1893,7 +1893,7 @@
           <a:p>
             <a:fld id="{8B9C5AA4-4FCA-4F47-AAC9-1240DC78B99C}" type="datetimeFigureOut">
               <a:rPr lang="en-US" smtClean="0"/>
-              <a:t>4/25/2016</a:t>
+              <a:t>4/28/2016</a:t>
             </a:fld>
             <a:endParaRPr lang="en-US"/>
           </a:p>
@@ -2335,7 +2335,7 @@
           <a:p>
             <a:fld id="{8B9C5AA4-4FCA-4F47-AAC9-1240DC78B99C}" type="datetimeFigureOut">
               <a:rPr lang="en-US" smtClean="0"/>
-              <a:t>4/25/2016</a:t>
+              <a:t>4/28/2016</a:t>
             </a:fld>
             <a:endParaRPr lang="en-US"/>
           </a:p>
@@ -2453,7 +2453,7 @@
           <a:p>
             <a:fld id="{8B9C5AA4-4FCA-4F47-AAC9-1240DC78B99C}" type="datetimeFigureOut">
               <a:rPr lang="en-US" smtClean="0"/>
-              <a:t>4/25/2016</a:t>
+              <a:t>4/28/2016</a:t>
             </a:fld>
             <a:endParaRPr lang="en-US"/>
           </a:p>
@@ -2548,7 +2548,7 @@
           <a:p>
             <a:fld id="{8B9C5AA4-4FCA-4F47-AAC9-1240DC78B99C}" type="datetimeFigureOut">
               <a:rPr lang="en-US" smtClean="0"/>
-              <a:t>4/25/2016</a:t>
+              <a:t>4/28/2016</a:t>
             </a:fld>
             <a:endParaRPr lang="en-US"/>
           </a:p>
@@ -2831,7 +2831,7 @@
           <a:p>
             <a:fld id="{8B9C5AA4-4FCA-4F47-AAC9-1240DC78B99C}" type="datetimeFigureOut">
               <a:rPr lang="en-US" smtClean="0"/>
-              <a:t>4/25/2016</a:t>
+              <a:t>4/28/2016</a:t>
             </a:fld>
             <a:endParaRPr lang="en-US"/>
           </a:p>
@@ -2999,7 +2999,7 @@
           <a:p>
             <a:fld id="{8B9C5AA4-4FCA-4F47-AAC9-1240DC78B99C}" type="datetimeFigureOut">
               <a:rPr lang="en-US" smtClean="0"/>
-              <a:t>4/25/2016</a:t>
+              <a:t>4/28/2016</a:t>
             </a:fld>
             <a:endParaRPr lang="en-US"/>
           </a:p>
@@ -3290,7 +3290,7 @@
           <a:p>
             <a:fld id="{8B9C5AA4-4FCA-4F47-AAC9-1240DC78B99C}" type="datetimeFigureOut">
               <a:rPr lang="en-US" smtClean="0"/>
-              <a:t>4/25/2016</a:t>
+              <a:t>4/28/2016</a:t>
             </a:fld>
             <a:endParaRPr lang="en-US"/>
           </a:p>
@@ -3581,7 +3581,7 @@
           <a:p>
             <a:fld id="{8B9C5AA4-4FCA-4F47-AAC9-1240DC78B99C}" type="datetimeFigureOut">
               <a:rPr lang="en-US" smtClean="0"/>
-              <a:t>4/25/2016</a:t>
+              <a:t>4/28/2016</a:t>
             </a:fld>
             <a:endParaRPr lang="en-US"/>
           </a:p>
@@ -3829,7 +3829,7 @@
           <a:p>
             <a:fld id="{8B9C5AA4-4FCA-4F47-AAC9-1240DC78B99C}" type="datetimeFigureOut">
               <a:rPr lang="en-US" smtClean="0"/>
-              <a:t>4/25/2016</a:t>
+              <a:t>4/28/2016</a:t>
             </a:fld>
             <a:endParaRPr lang="en-US"/>
           </a:p>
@@ -4369,7 +4369,7 @@
           <a:p>
             <a:fld id="{8B9C5AA4-4FCA-4F47-AAC9-1240DC78B99C}" type="datetimeFigureOut">
               <a:rPr lang="en-US" smtClean="0"/>
-              <a:t>4/25/2016</a:t>
+              <a:t>4/28/2016</a:t>
             </a:fld>
             <a:endParaRPr lang="en-US"/>
           </a:p>
@@ -4617,7 +4617,7 @@
           <a:p>
             <a:fld id="{8B9C5AA4-4FCA-4F47-AAC9-1240DC78B99C}" type="datetimeFigureOut">
               <a:rPr lang="en-US" smtClean="0"/>
-              <a:t>4/25/2016</a:t>
+              <a:t>4/28/2016</a:t>
             </a:fld>
             <a:endParaRPr lang="en-US"/>
           </a:p>
@@ -5149,7 +5149,7 @@
           <a:p>
             <a:fld id="{8B9C5AA4-4FCA-4F47-AAC9-1240DC78B99C}" type="datetimeFigureOut">
               <a:rPr lang="en-US" smtClean="0"/>
-              <a:t>4/25/2016</a:t>
+              <a:t>4/28/2016</a:t>
             </a:fld>
             <a:endParaRPr lang="en-US"/>
           </a:p>
@@ -5446,7 +5446,7 @@
           <a:p>
             <a:fld id="{8B9C5AA4-4FCA-4F47-AAC9-1240DC78B99C}" type="datetimeFigureOut">
               <a:rPr lang="en-US" smtClean="0"/>
-              <a:t>4/25/2016</a:t>
+              <a:t>4/28/2016</a:t>
             </a:fld>
             <a:endParaRPr lang="en-US"/>
           </a:p>
@@ -5620,7 +5620,7 @@
           <a:p>
             <a:fld id="{8B9C5AA4-4FCA-4F47-AAC9-1240DC78B99C}" type="datetimeFigureOut">
               <a:rPr lang="en-US" smtClean="0"/>
-              <a:t>4/25/2016</a:t>
+              <a:t>4/28/2016</a:t>
             </a:fld>
             <a:endParaRPr lang="en-US"/>
           </a:p>
@@ -5800,7 +5800,7 @@
           <a:p>
             <a:fld id="{8B9C5AA4-4FCA-4F47-AAC9-1240DC78B99C}" type="datetimeFigureOut">
               <a:rPr lang="en-US" smtClean="0"/>
-              <a:t>4/25/2016</a:t>
+              <a:t>4/28/2016</a:t>
             </a:fld>
             <a:endParaRPr lang="en-US"/>
           </a:p>
@@ -6363,7 +6363,7 @@
           <a:p>
             <a:fld id="{8B9C5AA4-4FCA-4F47-AAC9-1240DC78B99C}" type="datetimeFigureOut">
               <a:rPr lang="en-US" smtClean="0"/>
-              <a:t>4/25/2016</a:t>
+              <a:t>4/28/2016</a:t>
             </a:fld>
             <a:endParaRPr lang="en-US"/>
           </a:p>
@@ -6613,7 +6613,7 @@
           <a:p>
             <a:fld id="{8B9C5AA4-4FCA-4F47-AAC9-1240DC78B99C}" type="datetimeFigureOut">
               <a:rPr lang="en-US" smtClean="0"/>
-              <a:t>4/25/2016</a:t>
+              <a:t>4/28/2016</a:t>
             </a:fld>
             <a:endParaRPr lang="en-US"/>
           </a:p>
@@ -6783,7 +6783,7 @@
           <a:p>
             <a:fld id="{8B9C5AA4-4FCA-4F47-AAC9-1240DC78B99C}" type="datetimeFigureOut">
               <a:rPr lang="en-US" smtClean="0"/>
-              <a:t>4/25/2016</a:t>
+              <a:t>4/28/2016</a:t>
             </a:fld>
             <a:endParaRPr lang="en-US"/>
           </a:p>
@@ -7034,7 +7034,7 @@
           <a:p>
             <a:fld id="{8B9C5AA4-4FCA-4F47-AAC9-1240DC78B99C}" type="datetimeFigureOut">
               <a:rPr lang="en-US" smtClean="0"/>
-              <a:t>4/25/2016</a:t>
+              <a:t>4/28/2016</a:t>
             </a:fld>
             <a:endParaRPr lang="en-US"/>
           </a:p>
@@ -7331,7 +7331,7 @@
           <a:p>
             <a:fld id="{8B9C5AA4-4FCA-4F47-AAC9-1240DC78B99C}" type="datetimeFigureOut">
               <a:rPr lang="en-US" smtClean="0"/>
-              <a:t>4/25/2016</a:t>
+              <a:t>4/28/2016</a:t>
             </a:fld>
             <a:endParaRPr lang="en-US"/>
           </a:p>
@@ -7773,7 +7773,7 @@
           <a:p>
             <a:fld id="{8B9C5AA4-4FCA-4F47-AAC9-1240DC78B99C}" type="datetimeFigureOut">
               <a:rPr lang="en-US" smtClean="0"/>
-              <a:t>4/25/2016</a:t>
+              <a:t>4/28/2016</a:t>
             </a:fld>
             <a:endParaRPr lang="en-US"/>
           </a:p>
@@ -7891,7 +7891,7 @@
           <a:p>
             <a:fld id="{8B9C5AA4-4FCA-4F47-AAC9-1240DC78B99C}" type="datetimeFigureOut">
               <a:rPr lang="en-US" smtClean="0"/>
-              <a:t>4/25/2016</a:t>
+              <a:t>4/28/2016</a:t>
             </a:fld>
             <a:endParaRPr lang="en-US"/>
           </a:p>
@@ -7986,7 +7986,7 @@
           <a:p>
             <a:fld id="{8B9C5AA4-4FCA-4F47-AAC9-1240DC78B99C}" type="datetimeFigureOut">
               <a:rPr lang="en-US" smtClean="0"/>
-              <a:t>4/25/2016</a:t>
+              <a:t>4/28/2016</a:t>
             </a:fld>
             <a:endParaRPr lang="en-US"/>
           </a:p>
@@ -8269,7 +8269,7 @@
           <a:p>
             <a:fld id="{8B9C5AA4-4FCA-4F47-AAC9-1240DC78B99C}" type="datetimeFigureOut">
               <a:rPr lang="en-US" smtClean="0"/>
-              <a:t>4/25/2016</a:t>
+              <a:t>4/28/2016</a:t>
             </a:fld>
             <a:endParaRPr lang="en-US"/>
           </a:p>
@@ -8560,7 +8560,7 @@
           <a:p>
             <a:fld id="{8B9C5AA4-4FCA-4F47-AAC9-1240DC78B99C}" type="datetimeFigureOut">
               <a:rPr lang="en-US" smtClean="0"/>
-              <a:t>4/25/2016</a:t>
+              <a:t>4/28/2016</a:t>
             </a:fld>
             <a:endParaRPr lang="en-US"/>
           </a:p>
@@ -8851,7 +8851,7 @@
           <a:p>
             <a:fld id="{8B9C5AA4-4FCA-4F47-AAC9-1240DC78B99C}" type="datetimeFigureOut">
               <a:rPr lang="en-US" smtClean="0"/>
-              <a:t>4/25/2016</a:t>
+              <a:t>4/28/2016</a:t>
             </a:fld>
             <a:endParaRPr lang="en-US"/>
           </a:p>
@@ -9099,7 +9099,7 @@
           <a:p>
             <a:fld id="{8B9C5AA4-4FCA-4F47-AAC9-1240DC78B99C}" type="datetimeFigureOut">
               <a:rPr lang="en-US" smtClean="0"/>
-              <a:t>4/25/2016</a:t>
+              <a:t>4/28/2016</a:t>
             </a:fld>
             <a:endParaRPr lang="en-US"/>
           </a:p>
@@ -9328,7 +9328,7 @@
           <a:p>
             <a:fld id="{8B9C5AA4-4FCA-4F47-AAC9-1240DC78B99C}" type="datetimeFigureOut">
               <a:rPr lang="en-US" smtClean="0"/>
-              <a:t>4/25/2016</a:t>
+              <a:t>4/28/2016</a:t>
             </a:fld>
             <a:endParaRPr lang="en-US"/>
           </a:p>
@@ -9868,7 +9868,7 @@
           <a:p>
             <a:fld id="{8B9C5AA4-4FCA-4F47-AAC9-1240DC78B99C}" type="datetimeFigureOut">
               <a:rPr lang="en-US" smtClean="0"/>
-              <a:t>4/25/2016</a:t>
+              <a:t>4/28/2016</a:t>
             </a:fld>
             <a:endParaRPr lang="en-US"/>
           </a:p>
@@ -10116,7 +10116,7 @@
           <a:p>
             <a:fld id="{8B9C5AA4-4FCA-4F47-AAC9-1240DC78B99C}" type="datetimeFigureOut">
               <a:rPr lang="en-US" smtClean="0"/>
-              <a:t>4/25/2016</a:t>
+              <a:t>4/28/2016</a:t>
             </a:fld>
             <a:endParaRPr lang="en-US"/>
           </a:p>
@@ -10648,7 +10648,7 @@
           <a:p>
             <a:fld id="{8B9C5AA4-4FCA-4F47-AAC9-1240DC78B99C}" type="datetimeFigureOut">
               <a:rPr lang="en-US" smtClean="0"/>
-              <a:t>4/25/2016</a:t>
+              <a:t>4/28/2016</a:t>
             </a:fld>
             <a:endParaRPr lang="en-US"/>
           </a:p>
@@ -10945,7 +10945,7 @@
           <a:p>
             <a:fld id="{8B9C5AA4-4FCA-4F47-AAC9-1240DC78B99C}" type="datetimeFigureOut">
               <a:rPr lang="en-US" smtClean="0"/>
-              <a:t>4/25/2016</a:t>
+              <a:t>4/28/2016</a:t>
             </a:fld>
             <a:endParaRPr lang="en-US"/>
           </a:p>
@@ -11119,7 +11119,7 @@
           <a:p>
             <a:fld id="{8B9C5AA4-4FCA-4F47-AAC9-1240DC78B99C}" type="datetimeFigureOut">
               <a:rPr lang="en-US" smtClean="0"/>
-              <a:t>4/25/2016</a:t>
+              <a:t>4/28/2016</a:t>
             </a:fld>
             <a:endParaRPr lang="en-US"/>
           </a:p>
@@ -11299,7 +11299,7 @@
           <a:p>
             <a:fld id="{8B9C5AA4-4FCA-4F47-AAC9-1240DC78B99C}" type="datetimeFigureOut">
               <a:rPr lang="en-US" smtClean="0"/>
-              <a:t>4/25/2016</a:t>
+              <a:t>4/28/2016</a:t>
             </a:fld>
             <a:endParaRPr lang="en-US"/>
           </a:p>
@@ -11663,7 +11663,7 @@
           <a:p>
             <a:fld id="{8B9C5AA4-4FCA-4F47-AAC9-1240DC78B99C}" type="datetimeFigureOut">
               <a:rPr lang="en-US" smtClean="0"/>
-              <a:t>4/25/2016</a:t>
+              <a:t>4/28/2016</a:t>
             </a:fld>
             <a:endParaRPr lang="en-US"/>
           </a:p>
@@ -11780,7 +11780,7 @@
           <a:p>
             <a:fld id="{8B9C5AA4-4FCA-4F47-AAC9-1240DC78B99C}" type="datetimeFigureOut">
               <a:rPr lang="en-US" smtClean="0"/>
-              <a:t>4/25/2016</a:t>
+              <a:t>4/28/2016</a:t>
             </a:fld>
             <a:endParaRPr lang="en-US"/>
           </a:p>
@@ -11875,7 +11875,7 @@
           <a:p>
             <a:fld id="{8B9C5AA4-4FCA-4F47-AAC9-1240DC78B99C}" type="datetimeFigureOut">
               <a:rPr lang="en-US" smtClean="0"/>
-              <a:t>4/25/2016</a:t>
+              <a:t>4/28/2016</a:t>
             </a:fld>
             <a:endParaRPr lang="en-US"/>
           </a:p>
@@ -12150,7 +12150,7 @@
           <a:p>
             <a:fld id="{8B9C5AA4-4FCA-4F47-AAC9-1240DC78B99C}" type="datetimeFigureOut">
               <a:rPr lang="en-US" smtClean="0"/>
-              <a:t>4/25/2016</a:t>
+              <a:t>4/28/2016</a:t>
             </a:fld>
             <a:endParaRPr lang="en-US"/>
           </a:p>
@@ -12402,7 +12402,7 @@
           <a:p>
             <a:fld id="{8B9C5AA4-4FCA-4F47-AAC9-1240DC78B99C}" type="datetimeFigureOut">
               <a:rPr lang="en-US" smtClean="0"/>
-              <a:t>4/25/2016</a:t>
+              <a:t>4/28/2016</a:t>
             </a:fld>
             <a:endParaRPr lang="en-US"/>
           </a:p>
@@ -12613,7 +12613,7 @@
           <a:p>
             <a:fld id="{8B9C5AA4-4FCA-4F47-AAC9-1240DC78B99C}" type="datetimeFigureOut">
               <a:rPr lang="en-US" smtClean="0"/>
-              <a:t>4/25/2016</a:t>
+              <a:t>4/28/2016</a:t>
             </a:fld>
             <a:endParaRPr lang="en-US"/>
           </a:p>
@@ -13470,7 +13470,7 @@
           <a:p>
             <a:fld id="{8B9C5AA4-4FCA-4F47-AAC9-1240DC78B99C}" type="datetimeFigureOut">
               <a:rPr lang="en-US" smtClean="0"/>
-              <a:t>4/25/2016</a:t>
+              <a:t>4/28/2016</a:t>
             </a:fld>
             <a:endParaRPr lang="en-US"/>
           </a:p>
@@ -14453,7 +14453,7 @@
           <a:p>
             <a:fld id="{8B9C5AA4-4FCA-4F47-AAC9-1240DC78B99C}" type="datetimeFigureOut">
               <a:rPr lang="en-US" smtClean="0"/>
-              <a:t>4/25/2016</a:t>
+              <a:t>4/28/2016</a:t>
             </a:fld>
             <a:endParaRPr lang="en-US"/>
           </a:p>
@@ -21926,13 +21926,8 @@
             </a:pPr>
             <a:r>
               <a:rPr lang="en-US" sz="2000" b="1" dirty="0"/>
-              <a:t>How to play:</a:t>
-            </a:r>
-          </a:p>
-          <a:p>
-            <a:pPr marL="0" indent="0">
-              <a:buNone/>
-            </a:pPr>
+              <a:t>How to play: </a:t>
+            </a:r>
             <a:r>
               <a:rPr lang="en-US" sz="2000" dirty="0"/>
               <a:t>This is a two player game. One person will be the </a:t>
@@ -21959,7 +21954,15 @@
             </a:r>
             <a:r>
               <a:rPr lang="en-US" sz="2000" dirty="0"/>
-              <a:t>. Once it is your turn you will be able to spend money to build units and then move your units to take over territories. Once you can not longer take an action hit </a:t>
+              <a:t>. Once it is your turn you will be able to spend money to build units and then move your units to take over territories. </a:t>
+            </a:r>
+            <a:r>
+              <a:rPr lang="en-US" sz="2000" b="1" dirty="0"/>
+              <a:t>To attack</a:t>
+            </a:r>
+            <a:r>
+              <a:rPr lang="en-US" sz="2000" dirty="0"/>
+              <a:t>, move a unit on top of another unit and whoever has the highest dice roll wins, defender had advantage on a tie. Once you can no longer take an action hit </a:t>
             </a:r>
             <a:r>
               <a:rPr lang="en-US" sz="2000" b="1" dirty="0"/>
@@ -21969,13 +21972,6 @@
               <a:rPr lang="en-US" sz="2000" dirty="0"/>
               <a:t> </a:t>
             </a:r>
-          </a:p>
-          <a:p>
-            <a:pPr>
-              <a:buFont typeface="Wingdings" panose="05000000000000000000" pitchFamily="2" charset="2"/>
-              <a:buChar char="§"/>
-            </a:pPr>
-            <a:endParaRPr lang="en-US" sz="2000" dirty="0"/>
           </a:p>
           <a:p>
             <a:pPr>
@@ -22022,13 +22018,13 @@
           <p:nvPr>
             <p:extLst>
               <p:ext uri="{D42A27DB-BD31-4B8C-83A1-F6EECF244321}">
-                <p14:modId xmlns:p14="http://schemas.microsoft.com/office/powerpoint/2010/main" val="3973091974"/>
+                <p14:modId xmlns:p14="http://schemas.microsoft.com/office/powerpoint/2010/main" val="4070963490"/>
               </p:ext>
             </p:extLst>
           </p:nvPr>
         </p:nvGraphicFramePr>
         <p:xfrm>
-          <a:off x="3333750" y="3521789"/>
+          <a:off x="3562350" y="3864689"/>
           <a:ext cx="3981451" cy="1686653"/>
         </p:xfrm>
         <a:graphic>
@@ -22200,8 +22196,19 @@
                           <a:latin typeface="Arial" panose="020B0604020202020204" pitchFamily="34" charset="0"/>
                           <a:cs typeface="Arial" panose="020B0604020202020204" pitchFamily="34" charset="0"/>
                         </a:rPr>
-                        <a:t>?</a:t>
+                        <a:t>1-6</a:t>
                       </a:r>
+                      <a:r>
+                        <a:rPr lang="en-US" baseline="0" dirty="0">
+                          <a:latin typeface="Arial" panose="020B0604020202020204" pitchFamily="34" charset="0"/>
+                          <a:cs typeface="Arial" panose="020B0604020202020204" pitchFamily="34" charset="0"/>
+                        </a:rPr>
+                        <a:t> </a:t>
+                      </a:r>
+                      <a:endParaRPr lang="en-US" dirty="0">
+                        <a:latin typeface="Arial" panose="020B0604020202020204" pitchFamily="34" charset="0"/>
+                        <a:cs typeface="Arial" panose="020B0604020202020204" pitchFamily="34" charset="0"/>
+                      </a:endParaRPr>
                     </a:p>
                   </a:txBody>
                   <a:tcPr/>
@@ -22277,7 +22284,7 @@
                           <a:latin typeface="Arial" panose="020B0604020202020204" pitchFamily="34" charset="0"/>
                           <a:cs typeface="Arial" panose="020B0604020202020204" pitchFamily="34" charset="0"/>
                         </a:rPr>
-                        <a:t>?</a:t>
+                        <a:t>1-6</a:t>
                       </a:r>
                     </a:p>
                   </a:txBody>
